--- a/DS_Phase1_Project_Presentation.pptx
+++ b/DS_Phase1_Project_Presentation.pptx
@@ -4,6 +4,9 @@
   <p:sldMasterIdLst>
     <p:sldMasterId id="2147483648" r:id="rId1"/>
   </p:sldMasterIdLst>
+  <p:notesMasterIdLst>
+    <p:notesMasterId r:id="rId13"/>
+  </p:notesMasterIdLst>
   <p:sldIdLst>
     <p:sldId id="256" r:id="rId2"/>
     <p:sldId id="259" r:id="rId3"/>
@@ -114,6 +117,11 @@
       </a:defRPr>
     </a:lvl9pPr>
   </p:defaultTextStyle>
+  <p:extLst>
+    <p:ext uri="{EFAFB233-063F-42B5-8137-9DF3F51BA10A}">
+      <p15:sldGuideLst xmlns:p15="http://schemas.microsoft.com/office/powerpoint/2012/main"/>
+    </p:ext>
+  </p:extLst>
 </p:presentation>
 </file>
 
@@ -1937,7 +1945,7 @@
   <dgm:whole/>
   <dgm:extLst>
     <a:ext uri="http://schemas.microsoft.com/office/drawing/2008/diagram">
-      <dsp:dataModelExt xmlns:dsp="http://schemas.microsoft.com/office/drawing/2008/diagram" relId="rId6" minVer="http://schemas.openxmlformats.org/drawingml/2006/diagram"/>
+      <dsp:dataModelExt xmlns:dsp="http://schemas.microsoft.com/office/drawing/2008/diagram" relId="rId7" minVer="http://schemas.openxmlformats.org/drawingml/2006/diagram"/>
     </a:ext>
   </dgm:extLst>
 </dgm:dataModel>
@@ -2268,7 +2276,7 @@
   <dgm:whole/>
   <dgm:extLst>
     <a:ext uri="http://schemas.microsoft.com/office/drawing/2008/diagram">
-      <dsp:dataModelExt xmlns:dsp="http://schemas.microsoft.com/office/drawing/2008/diagram" relId="rId6" minVer="http://schemas.openxmlformats.org/drawingml/2006/diagram"/>
+      <dsp:dataModelExt xmlns:dsp="http://schemas.microsoft.com/office/drawing/2008/diagram" relId="rId7" minVer="http://schemas.openxmlformats.org/drawingml/2006/diagram"/>
     </a:ext>
   </dgm:extLst>
 </dgm:dataModel>
@@ -5822,6 +5830,1358 @@
 </dgm:styleDef>
 </file>
 
+<file path=ppt/notesMasters/notesMaster1.xml><?xml version="1.0" encoding="utf-8"?>
+<p:notesMaster xmlns:a="http://schemas.openxmlformats.org/drawingml/2006/main" xmlns:r="http://schemas.openxmlformats.org/officeDocument/2006/relationships" xmlns:p="http://schemas.openxmlformats.org/presentationml/2006/main">
+  <p:cSld>
+    <p:bg>
+      <p:bgRef idx="1001">
+        <a:schemeClr val="bg1"/>
+      </p:bgRef>
+    </p:bg>
+    <p:spTree>
+      <p:nvGrpSpPr>
+        <p:cNvPr id="1" name=""/>
+        <p:cNvGrpSpPr/>
+        <p:nvPr/>
+      </p:nvGrpSpPr>
+      <p:grpSpPr>
+        <a:xfrm>
+          <a:off x="0" y="0"/>
+          <a:ext cx="0" cy="0"/>
+          <a:chOff x="0" y="0"/>
+          <a:chExt cx="0" cy="0"/>
+        </a:xfrm>
+      </p:grpSpPr>
+      <p:sp>
+        <p:nvSpPr>
+          <p:cNvPr id="2" name="Header Placeholder 1"/>
+          <p:cNvSpPr>
+            <a:spLocks noGrp="1"/>
+          </p:cNvSpPr>
+          <p:nvPr>
+            <p:ph type="hdr" sz="quarter"/>
+          </p:nvPr>
+        </p:nvSpPr>
+        <p:spPr>
+          <a:xfrm>
+            <a:off x="0" y="0"/>
+            <a:ext cx="2971800" cy="458788"/>
+          </a:xfrm>
+          <a:prstGeom prst="rect">
+            <a:avLst/>
+          </a:prstGeom>
+        </p:spPr>
+        <p:txBody>
+          <a:bodyPr vert="horz" lIns="91440" tIns="45720" rIns="91440" bIns="45720" rtlCol="0"/>
+          <a:lstStyle>
+            <a:lvl1pPr algn="l">
+              <a:defRPr sz="1200"/>
+            </a:lvl1pPr>
+          </a:lstStyle>
+          <a:p>
+            <a:endParaRPr lang="en-US"/>
+          </a:p>
+        </p:txBody>
+      </p:sp>
+      <p:sp>
+        <p:nvSpPr>
+          <p:cNvPr id="3" name="Date Placeholder 2"/>
+          <p:cNvSpPr>
+            <a:spLocks noGrp="1"/>
+          </p:cNvSpPr>
+          <p:nvPr>
+            <p:ph type="dt" idx="1"/>
+          </p:nvPr>
+        </p:nvSpPr>
+        <p:spPr>
+          <a:xfrm>
+            <a:off x="3884613" y="0"/>
+            <a:ext cx="2971800" cy="458788"/>
+          </a:xfrm>
+          <a:prstGeom prst="rect">
+            <a:avLst/>
+          </a:prstGeom>
+        </p:spPr>
+        <p:txBody>
+          <a:bodyPr vert="horz" lIns="91440" tIns="45720" rIns="91440" bIns="45720" rtlCol="0"/>
+          <a:lstStyle>
+            <a:lvl1pPr algn="r">
+              <a:defRPr sz="1200"/>
+            </a:lvl1pPr>
+          </a:lstStyle>
+          <a:p>
+            <a:fld id="{3C809E22-6BAE-7341-9733-D0E025C3D799}" type="datetimeFigureOut">
+              <a:rPr lang="en-US" smtClean="0"/>
+              <a:t>3/7/22</a:t>
+            </a:fld>
+            <a:endParaRPr lang="en-US"/>
+          </a:p>
+        </p:txBody>
+      </p:sp>
+      <p:sp>
+        <p:nvSpPr>
+          <p:cNvPr id="4" name="Slide Image Placeholder 3"/>
+          <p:cNvSpPr>
+            <a:spLocks noGrp="1" noRot="1" noChangeAspect="1"/>
+          </p:cNvSpPr>
+          <p:nvPr>
+            <p:ph type="sldImg" idx="2"/>
+          </p:nvPr>
+        </p:nvSpPr>
+        <p:spPr>
+          <a:xfrm>
+            <a:off x="685800" y="1143000"/>
+            <a:ext cx="5486400" cy="3086100"/>
+          </a:xfrm>
+          <a:prstGeom prst="rect">
+            <a:avLst/>
+          </a:prstGeom>
+          <a:noFill/>
+          <a:ln w="12700">
+            <a:solidFill>
+              <a:prstClr val="black"/>
+            </a:solidFill>
+          </a:ln>
+        </p:spPr>
+        <p:txBody>
+          <a:bodyPr vert="horz" lIns="91440" tIns="45720" rIns="91440" bIns="45720" rtlCol="0" anchor="ctr"/>
+          <a:lstStyle/>
+          <a:p>
+            <a:endParaRPr lang="en-US"/>
+          </a:p>
+        </p:txBody>
+      </p:sp>
+      <p:sp>
+        <p:nvSpPr>
+          <p:cNvPr id="5" name="Notes Placeholder 4"/>
+          <p:cNvSpPr>
+            <a:spLocks noGrp="1"/>
+          </p:cNvSpPr>
+          <p:nvPr>
+            <p:ph type="body" sz="quarter" idx="3"/>
+          </p:nvPr>
+        </p:nvSpPr>
+        <p:spPr>
+          <a:xfrm>
+            <a:off x="685800" y="4400550"/>
+            <a:ext cx="5486400" cy="3600450"/>
+          </a:xfrm>
+          <a:prstGeom prst="rect">
+            <a:avLst/>
+          </a:prstGeom>
+        </p:spPr>
+        <p:txBody>
+          <a:bodyPr vert="horz" lIns="91440" tIns="45720" rIns="91440" bIns="45720" rtlCol="0"/>
+          <a:lstStyle/>
+          <a:p>
+            <a:pPr lvl="0"/>
+            <a:r>
+              <a:rPr lang="en-US"/>
+              <a:t>Click to edit Master text styles</a:t>
+            </a:r>
+          </a:p>
+          <a:p>
+            <a:pPr lvl="1"/>
+            <a:r>
+              <a:rPr lang="en-US"/>
+              <a:t>Second level</a:t>
+            </a:r>
+          </a:p>
+          <a:p>
+            <a:pPr lvl="2"/>
+            <a:r>
+              <a:rPr lang="en-US"/>
+              <a:t>Third level</a:t>
+            </a:r>
+          </a:p>
+          <a:p>
+            <a:pPr lvl="3"/>
+            <a:r>
+              <a:rPr lang="en-US"/>
+              <a:t>Fourth level</a:t>
+            </a:r>
+          </a:p>
+          <a:p>
+            <a:pPr lvl="4"/>
+            <a:r>
+              <a:rPr lang="en-US"/>
+              <a:t>Fifth level</a:t>
+            </a:r>
+          </a:p>
+        </p:txBody>
+      </p:sp>
+      <p:sp>
+        <p:nvSpPr>
+          <p:cNvPr id="6" name="Footer Placeholder 5"/>
+          <p:cNvSpPr>
+            <a:spLocks noGrp="1"/>
+          </p:cNvSpPr>
+          <p:nvPr>
+            <p:ph type="ftr" sz="quarter" idx="4"/>
+          </p:nvPr>
+        </p:nvSpPr>
+        <p:spPr>
+          <a:xfrm>
+            <a:off x="0" y="8685213"/>
+            <a:ext cx="2971800" cy="458787"/>
+          </a:xfrm>
+          <a:prstGeom prst="rect">
+            <a:avLst/>
+          </a:prstGeom>
+        </p:spPr>
+        <p:txBody>
+          <a:bodyPr vert="horz" lIns="91440" tIns="45720" rIns="91440" bIns="45720" rtlCol="0" anchor="b"/>
+          <a:lstStyle>
+            <a:lvl1pPr algn="l">
+              <a:defRPr sz="1200"/>
+            </a:lvl1pPr>
+          </a:lstStyle>
+          <a:p>
+            <a:endParaRPr lang="en-US"/>
+          </a:p>
+        </p:txBody>
+      </p:sp>
+      <p:sp>
+        <p:nvSpPr>
+          <p:cNvPr id="7" name="Slide Number Placeholder 6"/>
+          <p:cNvSpPr>
+            <a:spLocks noGrp="1"/>
+          </p:cNvSpPr>
+          <p:nvPr>
+            <p:ph type="sldNum" sz="quarter" idx="5"/>
+          </p:nvPr>
+        </p:nvSpPr>
+        <p:spPr>
+          <a:xfrm>
+            <a:off x="3884613" y="8685213"/>
+            <a:ext cx="2971800" cy="458787"/>
+          </a:xfrm>
+          <a:prstGeom prst="rect">
+            <a:avLst/>
+          </a:prstGeom>
+        </p:spPr>
+        <p:txBody>
+          <a:bodyPr vert="horz" lIns="91440" tIns="45720" rIns="91440" bIns="45720" rtlCol="0" anchor="b"/>
+          <a:lstStyle>
+            <a:lvl1pPr algn="r">
+              <a:defRPr sz="1200"/>
+            </a:lvl1pPr>
+          </a:lstStyle>
+          <a:p>
+            <a:fld id="{0D8A2DB5-5F44-3049-A86A-F50EF4341CF3}" type="slidenum">
+              <a:rPr lang="en-US" smtClean="0"/>
+              <a:t>‹#›</a:t>
+            </a:fld>
+            <a:endParaRPr lang="en-US"/>
+          </a:p>
+        </p:txBody>
+      </p:sp>
+    </p:spTree>
+    <p:extLst>
+      <p:ext uri="{BB962C8B-B14F-4D97-AF65-F5344CB8AC3E}">
+        <p14:creationId xmlns:p14="http://schemas.microsoft.com/office/powerpoint/2010/main" val="2847033768"/>
+      </p:ext>
+    </p:extLst>
+  </p:cSld>
+  <p:clrMap bg1="lt1" tx1="dk1" bg2="lt2" tx2="dk2" accent1="accent1" accent2="accent2" accent3="accent3" accent4="accent4" accent5="accent5" accent6="accent6" hlink="hlink" folHlink="folHlink"/>
+  <p:notesStyle>
+    <a:lvl1pPr marL="0" algn="l" defTabSz="914400" rtl="0" eaLnBrk="1" latinLnBrk="0" hangingPunct="1">
+      <a:defRPr sz="1200" kern="1200">
+        <a:solidFill>
+          <a:schemeClr val="tx1"/>
+        </a:solidFill>
+        <a:latin typeface="+mn-lt"/>
+        <a:ea typeface="+mn-ea"/>
+        <a:cs typeface="+mn-cs"/>
+      </a:defRPr>
+    </a:lvl1pPr>
+    <a:lvl2pPr marL="457200" algn="l" defTabSz="914400" rtl="0" eaLnBrk="1" latinLnBrk="0" hangingPunct="1">
+      <a:defRPr sz="1200" kern="1200">
+        <a:solidFill>
+          <a:schemeClr val="tx1"/>
+        </a:solidFill>
+        <a:latin typeface="+mn-lt"/>
+        <a:ea typeface="+mn-ea"/>
+        <a:cs typeface="+mn-cs"/>
+      </a:defRPr>
+    </a:lvl2pPr>
+    <a:lvl3pPr marL="914400" algn="l" defTabSz="914400" rtl="0" eaLnBrk="1" latinLnBrk="0" hangingPunct="1">
+      <a:defRPr sz="1200" kern="1200">
+        <a:solidFill>
+          <a:schemeClr val="tx1"/>
+        </a:solidFill>
+        <a:latin typeface="+mn-lt"/>
+        <a:ea typeface="+mn-ea"/>
+        <a:cs typeface="+mn-cs"/>
+      </a:defRPr>
+    </a:lvl3pPr>
+    <a:lvl4pPr marL="1371600" algn="l" defTabSz="914400" rtl="0" eaLnBrk="1" latinLnBrk="0" hangingPunct="1">
+      <a:defRPr sz="1200" kern="1200">
+        <a:solidFill>
+          <a:schemeClr val="tx1"/>
+        </a:solidFill>
+        <a:latin typeface="+mn-lt"/>
+        <a:ea typeface="+mn-ea"/>
+        <a:cs typeface="+mn-cs"/>
+      </a:defRPr>
+    </a:lvl4pPr>
+    <a:lvl5pPr marL="1828800" algn="l" defTabSz="914400" rtl="0" eaLnBrk="1" latinLnBrk="0" hangingPunct="1">
+      <a:defRPr sz="1200" kern="1200">
+        <a:solidFill>
+          <a:schemeClr val="tx1"/>
+        </a:solidFill>
+        <a:latin typeface="+mn-lt"/>
+        <a:ea typeface="+mn-ea"/>
+        <a:cs typeface="+mn-cs"/>
+      </a:defRPr>
+    </a:lvl5pPr>
+    <a:lvl6pPr marL="2286000" algn="l" defTabSz="914400" rtl="0" eaLnBrk="1" latinLnBrk="0" hangingPunct="1">
+      <a:defRPr sz="1200" kern="1200">
+        <a:solidFill>
+          <a:schemeClr val="tx1"/>
+        </a:solidFill>
+        <a:latin typeface="+mn-lt"/>
+        <a:ea typeface="+mn-ea"/>
+        <a:cs typeface="+mn-cs"/>
+      </a:defRPr>
+    </a:lvl6pPr>
+    <a:lvl7pPr marL="2743200" algn="l" defTabSz="914400" rtl="0" eaLnBrk="1" latinLnBrk="0" hangingPunct="1">
+      <a:defRPr sz="1200" kern="1200">
+        <a:solidFill>
+          <a:schemeClr val="tx1"/>
+        </a:solidFill>
+        <a:latin typeface="+mn-lt"/>
+        <a:ea typeface="+mn-ea"/>
+        <a:cs typeface="+mn-cs"/>
+      </a:defRPr>
+    </a:lvl7pPr>
+    <a:lvl8pPr marL="3200400" algn="l" defTabSz="914400" rtl="0" eaLnBrk="1" latinLnBrk="0" hangingPunct="1">
+      <a:defRPr sz="1200" kern="1200">
+        <a:solidFill>
+          <a:schemeClr val="tx1"/>
+        </a:solidFill>
+        <a:latin typeface="+mn-lt"/>
+        <a:ea typeface="+mn-ea"/>
+        <a:cs typeface="+mn-cs"/>
+      </a:defRPr>
+    </a:lvl8pPr>
+    <a:lvl9pPr marL="3657600" algn="l" defTabSz="914400" rtl="0" eaLnBrk="1" latinLnBrk="0" hangingPunct="1">
+      <a:defRPr sz="1200" kern="1200">
+        <a:solidFill>
+          <a:schemeClr val="tx1"/>
+        </a:solidFill>
+        <a:latin typeface="+mn-lt"/>
+        <a:ea typeface="+mn-ea"/>
+        <a:cs typeface="+mn-cs"/>
+      </a:defRPr>
+    </a:lvl9pPr>
+  </p:notesStyle>
+</p:notesMaster>
+</file>
+
+<file path=ppt/notesSlides/notesSlide1.xml><?xml version="1.0" encoding="utf-8"?>
+<p:notes xmlns:a="http://schemas.openxmlformats.org/drawingml/2006/main" xmlns:r="http://schemas.openxmlformats.org/officeDocument/2006/relationships" xmlns:p="http://schemas.openxmlformats.org/presentationml/2006/main">
+  <p:cSld>
+    <p:spTree>
+      <p:nvGrpSpPr>
+        <p:cNvPr id="1" name=""/>
+        <p:cNvGrpSpPr/>
+        <p:nvPr/>
+      </p:nvGrpSpPr>
+      <p:grpSpPr>
+        <a:xfrm>
+          <a:off x="0" y="0"/>
+          <a:ext cx="0" cy="0"/>
+          <a:chOff x="0" y="0"/>
+          <a:chExt cx="0" cy="0"/>
+        </a:xfrm>
+      </p:grpSpPr>
+      <p:sp>
+        <p:nvSpPr>
+          <p:cNvPr id="2" name="Slide Image Placeholder 1"/>
+          <p:cNvSpPr>
+            <a:spLocks noGrp="1" noRot="1" noChangeAspect="1"/>
+          </p:cNvSpPr>
+          <p:nvPr>
+            <p:ph type="sldImg"/>
+          </p:nvPr>
+        </p:nvSpPr>
+        <p:spPr/>
+      </p:sp>
+      <p:sp>
+        <p:nvSpPr>
+          <p:cNvPr id="3" name="Notes Placeholder 2"/>
+          <p:cNvSpPr>
+            <a:spLocks noGrp="1"/>
+          </p:cNvSpPr>
+          <p:nvPr>
+            <p:ph type="body" idx="1"/>
+          </p:nvPr>
+        </p:nvSpPr>
+        <p:spPr/>
+        <p:txBody>
+          <a:bodyPr/>
+          <a:lstStyle/>
+          <a:p>
+            <a:r>
+              <a:rPr lang="en-US" dirty="0"/>
+              <a:t>Hello! My name is Sierra and I will be presenting my Phase 1 project. The goal of this project is to analyze movie data that I scraped from IMDB and The Numbers databases. This data analysis will be used to provide Microsoft with recommendations for their first Movie Studio production.</a:t>
+            </a:r>
+          </a:p>
+          <a:p>
+            <a:endParaRPr lang="en-US" dirty="0"/>
+          </a:p>
+        </p:txBody>
+      </p:sp>
+      <p:sp>
+        <p:nvSpPr>
+          <p:cNvPr id="4" name="Slide Number Placeholder 3"/>
+          <p:cNvSpPr>
+            <a:spLocks noGrp="1"/>
+          </p:cNvSpPr>
+          <p:nvPr>
+            <p:ph type="sldNum" sz="quarter" idx="5"/>
+          </p:nvPr>
+        </p:nvSpPr>
+        <p:spPr/>
+        <p:txBody>
+          <a:bodyPr/>
+          <a:lstStyle/>
+          <a:p>
+            <a:fld id="{0D8A2DB5-5F44-3049-A86A-F50EF4341CF3}" type="slidenum">
+              <a:rPr lang="en-US" smtClean="0"/>
+              <a:t>1</a:t>
+            </a:fld>
+            <a:endParaRPr lang="en-US"/>
+          </a:p>
+        </p:txBody>
+      </p:sp>
+    </p:spTree>
+    <p:extLst>
+      <p:ext uri="{BB962C8B-B14F-4D97-AF65-F5344CB8AC3E}">
+        <p14:creationId xmlns:p14="http://schemas.microsoft.com/office/powerpoint/2010/main" val="2398469709"/>
+      </p:ext>
+    </p:extLst>
+  </p:cSld>
+  <p:clrMapOvr>
+    <a:masterClrMapping/>
+  </p:clrMapOvr>
+</p:notes>
+</file>
+
+<file path=ppt/notesSlides/notesSlide10.xml><?xml version="1.0" encoding="utf-8"?>
+<p:notes xmlns:a="http://schemas.openxmlformats.org/drawingml/2006/main" xmlns:r="http://schemas.openxmlformats.org/officeDocument/2006/relationships" xmlns:p="http://schemas.openxmlformats.org/presentationml/2006/main">
+  <p:cSld>
+    <p:spTree>
+      <p:nvGrpSpPr>
+        <p:cNvPr id="1" name=""/>
+        <p:cNvGrpSpPr/>
+        <p:nvPr/>
+      </p:nvGrpSpPr>
+      <p:grpSpPr>
+        <a:xfrm>
+          <a:off x="0" y="0"/>
+          <a:ext cx="0" cy="0"/>
+          <a:chOff x="0" y="0"/>
+          <a:chExt cx="0" cy="0"/>
+        </a:xfrm>
+      </p:grpSpPr>
+      <p:sp>
+        <p:nvSpPr>
+          <p:cNvPr id="2" name="Slide Image Placeholder 1"/>
+          <p:cNvSpPr>
+            <a:spLocks noGrp="1" noRot="1" noChangeAspect="1"/>
+          </p:cNvSpPr>
+          <p:nvPr>
+            <p:ph type="sldImg"/>
+          </p:nvPr>
+        </p:nvSpPr>
+        <p:spPr/>
+      </p:sp>
+      <p:sp>
+        <p:nvSpPr>
+          <p:cNvPr id="3" name="Notes Placeholder 2"/>
+          <p:cNvSpPr>
+            <a:spLocks noGrp="1"/>
+          </p:cNvSpPr>
+          <p:nvPr>
+            <p:ph type="body" idx="1"/>
+          </p:nvPr>
+        </p:nvSpPr>
+        <p:spPr/>
+        <p:txBody>
+          <a:bodyPr/>
+          <a:lstStyle/>
+          <a:p>
+            <a:r>
+              <a:rPr lang="en-US" dirty="0"/>
+              <a:t>Microsoft Movie Studio is just beginning, so further research may be desired. This presentation aims to provide recommendations for their first production based on profit, </a:t>
+            </a:r>
+            <a:r>
+              <a:rPr lang="en-US" dirty="0" err="1"/>
+              <a:t>roi</a:t>
+            </a:r>
+            <a:r>
+              <a:rPr lang="en-US" dirty="0"/>
+              <a:t>, and runtime, but there are other areas of interest they may want to explore. </a:t>
+            </a:r>
+          </a:p>
+          <a:p>
+            <a:endParaRPr lang="en-US" dirty="0"/>
+          </a:p>
+          <a:p>
+            <a:r>
+              <a:rPr lang="en-US" dirty="0"/>
+              <a:t>I would suggest they look into an optimal release month, success rates of various actors and directors, and the potential impact on movie success by critic reviews to gain more insight.</a:t>
+            </a:r>
+          </a:p>
+        </p:txBody>
+      </p:sp>
+      <p:sp>
+        <p:nvSpPr>
+          <p:cNvPr id="4" name="Slide Number Placeholder 3"/>
+          <p:cNvSpPr>
+            <a:spLocks noGrp="1"/>
+          </p:cNvSpPr>
+          <p:nvPr>
+            <p:ph type="sldNum" sz="quarter" idx="5"/>
+          </p:nvPr>
+        </p:nvSpPr>
+        <p:spPr/>
+        <p:txBody>
+          <a:bodyPr/>
+          <a:lstStyle/>
+          <a:p>
+            <a:fld id="{0D8A2DB5-5F44-3049-A86A-F50EF4341CF3}" type="slidenum">
+              <a:rPr lang="en-US" smtClean="0"/>
+              <a:t>10</a:t>
+            </a:fld>
+            <a:endParaRPr lang="en-US"/>
+          </a:p>
+        </p:txBody>
+      </p:sp>
+    </p:spTree>
+    <p:extLst>
+      <p:ext uri="{BB962C8B-B14F-4D97-AF65-F5344CB8AC3E}">
+        <p14:creationId xmlns:p14="http://schemas.microsoft.com/office/powerpoint/2010/main" val="2395681347"/>
+      </p:ext>
+    </p:extLst>
+  </p:cSld>
+  <p:clrMapOvr>
+    <a:masterClrMapping/>
+  </p:clrMapOvr>
+</p:notes>
+</file>
+
+<file path=ppt/notesSlides/notesSlide2.xml><?xml version="1.0" encoding="utf-8"?>
+<p:notes xmlns:a="http://schemas.openxmlformats.org/drawingml/2006/main" xmlns:r="http://schemas.openxmlformats.org/officeDocument/2006/relationships" xmlns:p="http://schemas.openxmlformats.org/presentationml/2006/main">
+  <p:cSld>
+    <p:spTree>
+      <p:nvGrpSpPr>
+        <p:cNvPr id="1" name=""/>
+        <p:cNvGrpSpPr/>
+        <p:nvPr/>
+      </p:nvGrpSpPr>
+      <p:grpSpPr>
+        <a:xfrm>
+          <a:off x="0" y="0"/>
+          <a:ext cx="0" cy="0"/>
+          <a:chOff x="0" y="0"/>
+          <a:chExt cx="0" cy="0"/>
+        </a:xfrm>
+      </p:grpSpPr>
+      <p:sp>
+        <p:nvSpPr>
+          <p:cNvPr id="2" name="Slide Image Placeholder 1"/>
+          <p:cNvSpPr>
+            <a:spLocks noGrp="1" noRot="1" noChangeAspect="1"/>
+          </p:cNvSpPr>
+          <p:nvPr>
+            <p:ph type="sldImg"/>
+          </p:nvPr>
+        </p:nvSpPr>
+        <p:spPr/>
+      </p:sp>
+      <p:sp>
+        <p:nvSpPr>
+          <p:cNvPr id="3" name="Notes Placeholder 2"/>
+          <p:cNvSpPr>
+            <a:spLocks noGrp="1"/>
+          </p:cNvSpPr>
+          <p:nvPr>
+            <p:ph type="body" idx="1"/>
+          </p:nvPr>
+        </p:nvSpPr>
+        <p:spPr/>
+        <p:txBody>
+          <a:bodyPr/>
+          <a:lstStyle/>
+          <a:p>
+            <a:r>
+              <a:rPr lang="en-US" dirty="0"/>
+              <a:t>This presentation will outline the data and methods used for analysis, three business problems addressed by the findings of that analysis, and the corresponding recommendations to Microsoft. Further suggestions are made at the end of the presentation on additional data Microsoft could use to further encourage a strong start for their new Movie Studio.</a:t>
+            </a:r>
+          </a:p>
+        </p:txBody>
+      </p:sp>
+      <p:sp>
+        <p:nvSpPr>
+          <p:cNvPr id="4" name="Slide Number Placeholder 3"/>
+          <p:cNvSpPr>
+            <a:spLocks noGrp="1"/>
+          </p:cNvSpPr>
+          <p:nvPr>
+            <p:ph type="sldNum" sz="quarter" idx="5"/>
+          </p:nvPr>
+        </p:nvSpPr>
+        <p:spPr/>
+        <p:txBody>
+          <a:bodyPr/>
+          <a:lstStyle/>
+          <a:p>
+            <a:fld id="{0D8A2DB5-5F44-3049-A86A-F50EF4341CF3}" type="slidenum">
+              <a:rPr lang="en-US" smtClean="0"/>
+              <a:t>2</a:t>
+            </a:fld>
+            <a:endParaRPr lang="en-US"/>
+          </a:p>
+        </p:txBody>
+      </p:sp>
+    </p:spTree>
+    <p:extLst>
+      <p:ext uri="{BB962C8B-B14F-4D97-AF65-F5344CB8AC3E}">
+        <p14:creationId xmlns:p14="http://schemas.microsoft.com/office/powerpoint/2010/main" val="4024280141"/>
+      </p:ext>
+    </p:extLst>
+  </p:cSld>
+  <p:clrMapOvr>
+    <a:masterClrMapping/>
+  </p:clrMapOvr>
+</p:notes>
+</file>
+
+<file path=ppt/notesSlides/notesSlide3.xml><?xml version="1.0" encoding="utf-8"?>
+<p:notes xmlns:a="http://schemas.openxmlformats.org/drawingml/2006/main" xmlns:r="http://schemas.openxmlformats.org/officeDocument/2006/relationships" xmlns:p="http://schemas.openxmlformats.org/presentationml/2006/main">
+  <p:cSld>
+    <p:spTree>
+      <p:nvGrpSpPr>
+        <p:cNvPr id="1" name=""/>
+        <p:cNvGrpSpPr/>
+        <p:nvPr/>
+      </p:nvGrpSpPr>
+      <p:grpSpPr>
+        <a:xfrm>
+          <a:off x="0" y="0"/>
+          <a:ext cx="0" cy="0"/>
+          <a:chOff x="0" y="0"/>
+          <a:chExt cx="0" cy="0"/>
+        </a:xfrm>
+      </p:grpSpPr>
+      <p:sp>
+        <p:nvSpPr>
+          <p:cNvPr id="2" name="Slide Image Placeholder 1"/>
+          <p:cNvSpPr>
+            <a:spLocks noGrp="1" noRot="1" noChangeAspect="1"/>
+          </p:cNvSpPr>
+          <p:nvPr>
+            <p:ph type="sldImg"/>
+          </p:nvPr>
+        </p:nvSpPr>
+        <p:spPr/>
+      </p:sp>
+      <p:sp>
+        <p:nvSpPr>
+          <p:cNvPr id="3" name="Notes Placeholder 2"/>
+          <p:cNvSpPr>
+            <a:spLocks noGrp="1"/>
+          </p:cNvSpPr>
+          <p:nvPr>
+            <p:ph type="body" idx="1"/>
+          </p:nvPr>
+        </p:nvSpPr>
+        <p:spPr/>
+        <p:txBody>
+          <a:bodyPr/>
+          <a:lstStyle/>
+          <a:p>
+            <a:r>
+              <a:rPr lang="en-US" dirty="0"/>
+              <a:t>Data was scarped from two databases, IMDB and The Numbers, that were merged for analysis. From IMDB Title Basics, I chose to use the runtime minutes and genres columns. From The Numbers Movie Budgets, I chose to use the movie title, release date, production budget, and worldwide gross columns. The other columns present were removed, as they were unnecessary.</a:t>
+            </a:r>
+          </a:p>
+          <a:p>
+            <a:endParaRPr lang="en-US" dirty="0"/>
+          </a:p>
+          <a:p>
+            <a:r>
+              <a:rPr lang="en-US" dirty="0"/>
+              <a:t>Because I planned to investigate profitability, I added a column to subtract the production budget from the worldwide gross for each movie entry. I then chose to add three additional columns to hold the production budget, worldwide gross, and profit figures adjusted to account for inflation. I did this by utilizing the CPI library to calculate to 2021 inflation.</a:t>
+            </a:r>
+          </a:p>
+          <a:p>
+            <a:endParaRPr lang="en-US" dirty="0"/>
+          </a:p>
+          <a:p>
+            <a:endParaRPr lang="en-US" dirty="0"/>
+          </a:p>
+        </p:txBody>
+      </p:sp>
+      <p:sp>
+        <p:nvSpPr>
+          <p:cNvPr id="4" name="Slide Number Placeholder 3"/>
+          <p:cNvSpPr>
+            <a:spLocks noGrp="1"/>
+          </p:cNvSpPr>
+          <p:nvPr>
+            <p:ph type="sldNum" sz="quarter" idx="5"/>
+          </p:nvPr>
+        </p:nvSpPr>
+        <p:spPr/>
+        <p:txBody>
+          <a:bodyPr/>
+          <a:lstStyle/>
+          <a:p>
+            <a:fld id="{0D8A2DB5-5F44-3049-A86A-F50EF4341CF3}" type="slidenum">
+              <a:rPr lang="en-US" smtClean="0"/>
+              <a:t>3</a:t>
+            </a:fld>
+            <a:endParaRPr lang="en-US"/>
+          </a:p>
+        </p:txBody>
+      </p:sp>
+    </p:spTree>
+    <p:extLst>
+      <p:ext uri="{BB962C8B-B14F-4D97-AF65-F5344CB8AC3E}">
+        <p14:creationId xmlns:p14="http://schemas.microsoft.com/office/powerpoint/2010/main" val="4015995103"/>
+      </p:ext>
+    </p:extLst>
+  </p:cSld>
+  <p:clrMapOvr>
+    <a:masterClrMapping/>
+  </p:clrMapOvr>
+</p:notes>
+</file>
+
+<file path=ppt/notesSlides/notesSlide4.xml><?xml version="1.0" encoding="utf-8"?>
+<p:notes xmlns:a="http://schemas.openxmlformats.org/drawingml/2006/main" xmlns:r="http://schemas.openxmlformats.org/officeDocument/2006/relationships" xmlns:p="http://schemas.openxmlformats.org/presentationml/2006/main">
+  <p:cSld>
+    <p:spTree>
+      <p:nvGrpSpPr>
+        <p:cNvPr id="1" name=""/>
+        <p:cNvGrpSpPr/>
+        <p:nvPr/>
+      </p:nvGrpSpPr>
+      <p:grpSpPr>
+        <a:xfrm>
+          <a:off x="0" y="0"/>
+          <a:ext cx="0" cy="0"/>
+          <a:chOff x="0" y="0"/>
+          <a:chExt cx="0" cy="0"/>
+        </a:xfrm>
+      </p:grpSpPr>
+      <p:sp>
+        <p:nvSpPr>
+          <p:cNvPr id="2" name="Slide Image Placeholder 1"/>
+          <p:cNvSpPr>
+            <a:spLocks noGrp="1" noRot="1" noChangeAspect="1"/>
+          </p:cNvSpPr>
+          <p:nvPr>
+            <p:ph type="sldImg"/>
+          </p:nvPr>
+        </p:nvSpPr>
+        <p:spPr/>
+      </p:sp>
+      <p:sp>
+        <p:nvSpPr>
+          <p:cNvPr id="3" name="Notes Placeholder 2"/>
+          <p:cNvSpPr>
+            <a:spLocks noGrp="1"/>
+          </p:cNvSpPr>
+          <p:nvPr>
+            <p:ph type="body" idx="1"/>
+          </p:nvPr>
+        </p:nvSpPr>
+        <p:spPr/>
+        <p:txBody>
+          <a:bodyPr/>
+          <a:lstStyle/>
+          <a:p>
+            <a:r>
+              <a:rPr lang="en-US" dirty="0"/>
+              <a:t>I first wanted to look at the highest grossing movie genres. I began by creating a scatterplot of the correlation between production budget and profit earned. </a:t>
+            </a:r>
+          </a:p>
+          <a:p>
+            <a:endParaRPr lang="en-US" dirty="0"/>
+          </a:p>
+          <a:p>
+            <a:r>
+              <a:rPr lang="en-US" dirty="0"/>
+              <a:t>In the above graphs, movies that made a profit are shown in green and those that didn’t in purple. I included graphs representing the data before and after accounting for inflation.</a:t>
+            </a:r>
+          </a:p>
+          <a:p>
+            <a:endParaRPr lang="en-US" dirty="0"/>
+          </a:p>
+          <a:p>
+            <a:r>
+              <a:rPr lang="en-US" dirty="0"/>
+              <a:t>These graphs show that while there does appear to be a positive correlation between production budget and profit, it’s a weak one. I decided to move forward with my investigation by looking at movie genres.</a:t>
+            </a:r>
+          </a:p>
+        </p:txBody>
+      </p:sp>
+      <p:sp>
+        <p:nvSpPr>
+          <p:cNvPr id="4" name="Slide Number Placeholder 3"/>
+          <p:cNvSpPr>
+            <a:spLocks noGrp="1"/>
+          </p:cNvSpPr>
+          <p:nvPr>
+            <p:ph type="sldNum" sz="quarter" idx="5"/>
+          </p:nvPr>
+        </p:nvSpPr>
+        <p:spPr/>
+        <p:txBody>
+          <a:bodyPr/>
+          <a:lstStyle/>
+          <a:p>
+            <a:fld id="{0D8A2DB5-5F44-3049-A86A-F50EF4341CF3}" type="slidenum">
+              <a:rPr lang="en-US" smtClean="0"/>
+              <a:t>4</a:t>
+            </a:fld>
+            <a:endParaRPr lang="en-US"/>
+          </a:p>
+        </p:txBody>
+      </p:sp>
+    </p:spTree>
+    <p:extLst>
+      <p:ext uri="{BB962C8B-B14F-4D97-AF65-F5344CB8AC3E}">
+        <p14:creationId xmlns:p14="http://schemas.microsoft.com/office/powerpoint/2010/main" val="3259694651"/>
+      </p:ext>
+    </p:extLst>
+  </p:cSld>
+  <p:clrMapOvr>
+    <a:masterClrMapping/>
+  </p:clrMapOvr>
+</p:notes>
+</file>
+
+<file path=ppt/notesSlides/notesSlide5.xml><?xml version="1.0" encoding="utf-8"?>
+<p:notes xmlns:a="http://schemas.openxmlformats.org/drawingml/2006/main" xmlns:r="http://schemas.openxmlformats.org/officeDocument/2006/relationships" xmlns:p="http://schemas.openxmlformats.org/presentationml/2006/main">
+  <p:cSld>
+    <p:spTree>
+      <p:nvGrpSpPr>
+        <p:cNvPr id="1" name=""/>
+        <p:cNvGrpSpPr/>
+        <p:nvPr/>
+      </p:nvGrpSpPr>
+      <p:grpSpPr>
+        <a:xfrm>
+          <a:off x="0" y="0"/>
+          <a:ext cx="0" cy="0"/>
+          <a:chOff x="0" y="0"/>
+          <a:chExt cx="0" cy="0"/>
+        </a:xfrm>
+      </p:grpSpPr>
+      <p:sp>
+        <p:nvSpPr>
+          <p:cNvPr id="2" name="Slide Image Placeholder 1"/>
+          <p:cNvSpPr>
+            <a:spLocks noGrp="1" noRot="1" noChangeAspect="1"/>
+          </p:cNvSpPr>
+          <p:nvPr>
+            <p:ph type="sldImg"/>
+          </p:nvPr>
+        </p:nvSpPr>
+        <p:spPr/>
+      </p:sp>
+      <p:sp>
+        <p:nvSpPr>
+          <p:cNvPr id="3" name="Notes Placeholder 2"/>
+          <p:cNvSpPr>
+            <a:spLocks noGrp="1"/>
+          </p:cNvSpPr>
+          <p:nvPr>
+            <p:ph type="body" idx="1"/>
+          </p:nvPr>
+        </p:nvSpPr>
+        <p:spPr/>
+        <p:txBody>
+          <a:bodyPr/>
+          <a:lstStyle/>
+          <a:p>
+            <a:r>
+              <a:rPr lang="en-US" dirty="0"/>
+              <a:t>I wanted to look at the profit information by genre rather than individual movies. So the above bar graphs represent each movie genre’s median profit in millions of dollars. </a:t>
+            </a:r>
+          </a:p>
+          <a:p>
+            <a:endParaRPr lang="en-US" dirty="0"/>
+          </a:p>
+          <a:p>
+            <a:r>
+              <a:rPr lang="en-US" dirty="0"/>
+              <a:t>Again, I wanted to look at the data both before and after accounting for inflation.</a:t>
+            </a:r>
+          </a:p>
+          <a:p>
+            <a:endParaRPr lang="en-US" dirty="0"/>
+          </a:p>
+          <a:p>
+            <a:r>
+              <a:rPr lang="en-US" dirty="0"/>
+              <a:t>Looking at the graphs side-by-side, it was clear that Animation came in first place for profit. After accounting for inflation, the Fantasy genre came in second place. Seeing as Microsoft Movie Studio is just beginning, I would recommend either Animation or Fantasy as the genre of their first movie via the provided profit data.</a:t>
+            </a:r>
+          </a:p>
+        </p:txBody>
+      </p:sp>
+      <p:sp>
+        <p:nvSpPr>
+          <p:cNvPr id="4" name="Slide Number Placeholder 3"/>
+          <p:cNvSpPr>
+            <a:spLocks noGrp="1"/>
+          </p:cNvSpPr>
+          <p:nvPr>
+            <p:ph type="sldNum" sz="quarter" idx="5"/>
+          </p:nvPr>
+        </p:nvSpPr>
+        <p:spPr/>
+        <p:txBody>
+          <a:bodyPr/>
+          <a:lstStyle/>
+          <a:p>
+            <a:fld id="{0D8A2DB5-5F44-3049-A86A-F50EF4341CF3}" type="slidenum">
+              <a:rPr lang="en-US" smtClean="0"/>
+              <a:t>5</a:t>
+            </a:fld>
+            <a:endParaRPr lang="en-US"/>
+          </a:p>
+        </p:txBody>
+      </p:sp>
+    </p:spTree>
+    <p:extLst>
+      <p:ext uri="{BB962C8B-B14F-4D97-AF65-F5344CB8AC3E}">
+        <p14:creationId xmlns:p14="http://schemas.microsoft.com/office/powerpoint/2010/main" val="2711221798"/>
+      </p:ext>
+    </p:extLst>
+  </p:cSld>
+  <p:clrMapOvr>
+    <a:masterClrMapping/>
+  </p:clrMapOvr>
+</p:notes>
+</file>
+
+<file path=ppt/notesSlides/notesSlide6.xml><?xml version="1.0" encoding="utf-8"?>
+<p:notes xmlns:a="http://schemas.openxmlformats.org/drawingml/2006/main" xmlns:r="http://schemas.openxmlformats.org/officeDocument/2006/relationships" xmlns:p="http://schemas.openxmlformats.org/presentationml/2006/main">
+  <p:cSld>
+    <p:spTree>
+      <p:nvGrpSpPr>
+        <p:cNvPr id="1" name=""/>
+        <p:cNvGrpSpPr/>
+        <p:nvPr/>
+      </p:nvGrpSpPr>
+      <p:grpSpPr>
+        <a:xfrm>
+          <a:off x="0" y="0"/>
+          <a:ext cx="0" cy="0"/>
+          <a:chOff x="0" y="0"/>
+          <a:chExt cx="0" cy="0"/>
+        </a:xfrm>
+      </p:grpSpPr>
+      <p:sp>
+        <p:nvSpPr>
+          <p:cNvPr id="2" name="Slide Image Placeholder 1"/>
+          <p:cNvSpPr>
+            <a:spLocks noGrp="1" noRot="1" noChangeAspect="1"/>
+          </p:cNvSpPr>
+          <p:nvPr>
+            <p:ph type="sldImg"/>
+          </p:nvPr>
+        </p:nvSpPr>
+        <p:spPr/>
+      </p:sp>
+      <p:sp>
+        <p:nvSpPr>
+          <p:cNvPr id="3" name="Notes Placeholder 2"/>
+          <p:cNvSpPr>
+            <a:spLocks noGrp="1"/>
+          </p:cNvSpPr>
+          <p:nvPr>
+            <p:ph type="body" idx="1"/>
+          </p:nvPr>
+        </p:nvSpPr>
+        <p:spPr/>
+        <p:txBody>
+          <a:bodyPr/>
+          <a:lstStyle/>
+          <a:p>
+            <a:r>
+              <a:rPr lang="en-US" dirty="0"/>
+              <a:t>Because Animation and Fantasy were so close in adjusted profits, I thought I’d investigate return on investment to see if this helped determine a clear winner.</a:t>
+            </a:r>
+          </a:p>
+          <a:p>
+            <a:endParaRPr lang="en-US" dirty="0"/>
+          </a:p>
+          <a:p>
+            <a:r>
+              <a:rPr lang="en-US" dirty="0"/>
+              <a:t>This graph shows the profit ratios for each genre. Once again, Animation comes in first place with an almost 3:1 ratio of money earned to money spent. Fantasy came in at approximately a 2.25:1 ratio. Not bad, but it’s a noticeable difference.</a:t>
+            </a:r>
+          </a:p>
+          <a:p>
+            <a:endParaRPr lang="en-US" dirty="0"/>
+          </a:p>
+          <a:p>
+            <a:r>
+              <a:rPr lang="en-US" dirty="0"/>
+              <a:t>Based on this return on investment information, the Animation genre would be my recommendation.</a:t>
+            </a:r>
+          </a:p>
+        </p:txBody>
+      </p:sp>
+      <p:sp>
+        <p:nvSpPr>
+          <p:cNvPr id="4" name="Slide Number Placeholder 3"/>
+          <p:cNvSpPr>
+            <a:spLocks noGrp="1"/>
+          </p:cNvSpPr>
+          <p:nvPr>
+            <p:ph type="sldNum" sz="quarter" idx="5"/>
+          </p:nvPr>
+        </p:nvSpPr>
+        <p:spPr/>
+        <p:txBody>
+          <a:bodyPr/>
+          <a:lstStyle/>
+          <a:p>
+            <a:fld id="{0D8A2DB5-5F44-3049-A86A-F50EF4341CF3}" type="slidenum">
+              <a:rPr lang="en-US" smtClean="0"/>
+              <a:t>6</a:t>
+            </a:fld>
+            <a:endParaRPr lang="en-US"/>
+          </a:p>
+        </p:txBody>
+      </p:sp>
+    </p:spTree>
+    <p:extLst>
+      <p:ext uri="{BB962C8B-B14F-4D97-AF65-F5344CB8AC3E}">
+        <p14:creationId xmlns:p14="http://schemas.microsoft.com/office/powerpoint/2010/main" val="741966631"/>
+      </p:ext>
+    </p:extLst>
+  </p:cSld>
+  <p:clrMapOvr>
+    <a:masterClrMapping/>
+  </p:clrMapOvr>
+</p:notes>
+</file>
+
+<file path=ppt/notesSlides/notesSlide7.xml><?xml version="1.0" encoding="utf-8"?>
+<p:notes xmlns:a="http://schemas.openxmlformats.org/drawingml/2006/main" xmlns:r="http://schemas.openxmlformats.org/officeDocument/2006/relationships" xmlns:p="http://schemas.openxmlformats.org/presentationml/2006/main">
+  <p:cSld>
+    <p:spTree>
+      <p:nvGrpSpPr>
+        <p:cNvPr id="1" name=""/>
+        <p:cNvGrpSpPr/>
+        <p:nvPr/>
+      </p:nvGrpSpPr>
+      <p:grpSpPr>
+        <a:xfrm>
+          <a:off x="0" y="0"/>
+          <a:ext cx="0" cy="0"/>
+          <a:chOff x="0" y="0"/>
+          <a:chExt cx="0" cy="0"/>
+        </a:xfrm>
+      </p:grpSpPr>
+      <p:sp>
+        <p:nvSpPr>
+          <p:cNvPr id="2" name="Slide Image Placeholder 1"/>
+          <p:cNvSpPr>
+            <a:spLocks noGrp="1" noRot="1" noChangeAspect="1"/>
+          </p:cNvSpPr>
+          <p:nvPr>
+            <p:ph type="sldImg"/>
+          </p:nvPr>
+        </p:nvSpPr>
+        <p:spPr/>
+      </p:sp>
+      <p:sp>
+        <p:nvSpPr>
+          <p:cNvPr id="3" name="Notes Placeholder 2"/>
+          <p:cNvSpPr>
+            <a:spLocks noGrp="1"/>
+          </p:cNvSpPr>
+          <p:nvPr>
+            <p:ph type="body" idx="1"/>
+          </p:nvPr>
+        </p:nvSpPr>
+        <p:spPr/>
+        <p:txBody>
+          <a:bodyPr/>
+          <a:lstStyle/>
+          <a:p>
+            <a:r>
+              <a:rPr lang="en-US" dirty="0"/>
+              <a:t>Finally, I wanted to look at movie runtimes to see what the ideal movie length should be. I first created a graph to show all movie genres and found that movies that turned a profit and were 90-120 minutes seemed to be the most successful.</a:t>
+            </a:r>
+          </a:p>
+          <a:p>
+            <a:endParaRPr lang="en-US" dirty="0"/>
+          </a:p>
+          <a:p>
+            <a:r>
+              <a:rPr lang="en-US" dirty="0"/>
+              <a:t>I wanted to narrow this down to strictly the Animation genre to see if the results were the same.</a:t>
+            </a:r>
+          </a:p>
+        </p:txBody>
+      </p:sp>
+      <p:sp>
+        <p:nvSpPr>
+          <p:cNvPr id="4" name="Slide Number Placeholder 3"/>
+          <p:cNvSpPr>
+            <a:spLocks noGrp="1"/>
+          </p:cNvSpPr>
+          <p:nvPr>
+            <p:ph type="sldNum" sz="quarter" idx="5"/>
+          </p:nvPr>
+        </p:nvSpPr>
+        <p:spPr/>
+        <p:txBody>
+          <a:bodyPr/>
+          <a:lstStyle/>
+          <a:p>
+            <a:fld id="{0D8A2DB5-5F44-3049-A86A-F50EF4341CF3}" type="slidenum">
+              <a:rPr lang="en-US" smtClean="0"/>
+              <a:t>7</a:t>
+            </a:fld>
+            <a:endParaRPr lang="en-US"/>
+          </a:p>
+        </p:txBody>
+      </p:sp>
+    </p:spTree>
+    <p:extLst>
+      <p:ext uri="{BB962C8B-B14F-4D97-AF65-F5344CB8AC3E}">
+        <p14:creationId xmlns:p14="http://schemas.microsoft.com/office/powerpoint/2010/main" val="1923175718"/>
+      </p:ext>
+    </p:extLst>
+  </p:cSld>
+  <p:clrMapOvr>
+    <a:masterClrMapping/>
+  </p:clrMapOvr>
+</p:notes>
+</file>
+
+<file path=ppt/notesSlides/notesSlide8.xml><?xml version="1.0" encoding="utf-8"?>
+<p:notes xmlns:a="http://schemas.openxmlformats.org/drawingml/2006/main" xmlns:r="http://schemas.openxmlformats.org/officeDocument/2006/relationships" xmlns:p="http://schemas.openxmlformats.org/presentationml/2006/main">
+  <p:cSld>
+    <p:spTree>
+      <p:nvGrpSpPr>
+        <p:cNvPr id="1" name=""/>
+        <p:cNvGrpSpPr/>
+        <p:nvPr/>
+      </p:nvGrpSpPr>
+      <p:grpSpPr>
+        <a:xfrm>
+          <a:off x="0" y="0"/>
+          <a:ext cx="0" cy="0"/>
+          <a:chOff x="0" y="0"/>
+          <a:chExt cx="0" cy="0"/>
+        </a:xfrm>
+      </p:grpSpPr>
+      <p:sp>
+        <p:nvSpPr>
+          <p:cNvPr id="2" name="Slide Image Placeholder 1"/>
+          <p:cNvSpPr>
+            <a:spLocks noGrp="1" noRot="1" noChangeAspect="1"/>
+          </p:cNvSpPr>
+          <p:nvPr>
+            <p:ph type="sldImg"/>
+          </p:nvPr>
+        </p:nvSpPr>
+        <p:spPr/>
+      </p:sp>
+      <p:sp>
+        <p:nvSpPr>
+          <p:cNvPr id="3" name="Notes Placeholder 2"/>
+          <p:cNvSpPr>
+            <a:spLocks noGrp="1"/>
+          </p:cNvSpPr>
+          <p:nvPr>
+            <p:ph type="body" idx="1"/>
+          </p:nvPr>
+        </p:nvSpPr>
+        <p:spPr/>
+        <p:txBody>
+          <a:bodyPr/>
+          <a:lstStyle/>
+          <a:p>
+            <a:r>
+              <a:rPr lang="en-US" dirty="0"/>
+              <a:t>Visualizing Animation movies, I saw that while the distribution was a bit more spread out, the ideal runtime appears to be between 90-98 minutes. It seems that past Animation movies tend to fall within these parameters.</a:t>
+            </a:r>
+          </a:p>
+        </p:txBody>
+      </p:sp>
+      <p:sp>
+        <p:nvSpPr>
+          <p:cNvPr id="4" name="Slide Number Placeholder 3"/>
+          <p:cNvSpPr>
+            <a:spLocks noGrp="1"/>
+          </p:cNvSpPr>
+          <p:nvPr>
+            <p:ph type="sldNum" sz="quarter" idx="5"/>
+          </p:nvPr>
+        </p:nvSpPr>
+        <p:spPr/>
+        <p:txBody>
+          <a:bodyPr/>
+          <a:lstStyle/>
+          <a:p>
+            <a:fld id="{0D8A2DB5-5F44-3049-A86A-F50EF4341CF3}" type="slidenum">
+              <a:rPr lang="en-US" smtClean="0"/>
+              <a:t>8</a:t>
+            </a:fld>
+            <a:endParaRPr lang="en-US"/>
+          </a:p>
+        </p:txBody>
+      </p:sp>
+    </p:spTree>
+    <p:extLst>
+      <p:ext uri="{BB962C8B-B14F-4D97-AF65-F5344CB8AC3E}">
+        <p14:creationId xmlns:p14="http://schemas.microsoft.com/office/powerpoint/2010/main" val="2668639843"/>
+      </p:ext>
+    </p:extLst>
+  </p:cSld>
+  <p:clrMapOvr>
+    <a:masterClrMapping/>
+  </p:clrMapOvr>
+</p:notes>
+</file>
+
+<file path=ppt/notesSlides/notesSlide9.xml><?xml version="1.0" encoding="utf-8"?>
+<p:notes xmlns:a="http://schemas.openxmlformats.org/drawingml/2006/main" xmlns:r="http://schemas.openxmlformats.org/officeDocument/2006/relationships" xmlns:p="http://schemas.openxmlformats.org/presentationml/2006/main">
+  <p:cSld>
+    <p:spTree>
+      <p:nvGrpSpPr>
+        <p:cNvPr id="1" name=""/>
+        <p:cNvGrpSpPr/>
+        <p:nvPr/>
+      </p:nvGrpSpPr>
+      <p:grpSpPr>
+        <a:xfrm>
+          <a:off x="0" y="0"/>
+          <a:ext cx="0" cy="0"/>
+          <a:chOff x="0" y="0"/>
+          <a:chExt cx="0" cy="0"/>
+        </a:xfrm>
+      </p:grpSpPr>
+      <p:sp>
+        <p:nvSpPr>
+          <p:cNvPr id="2" name="Slide Image Placeholder 1"/>
+          <p:cNvSpPr>
+            <a:spLocks noGrp="1" noRot="1" noChangeAspect="1"/>
+          </p:cNvSpPr>
+          <p:nvPr>
+            <p:ph type="sldImg"/>
+          </p:nvPr>
+        </p:nvSpPr>
+        <p:spPr/>
+      </p:sp>
+      <p:sp>
+        <p:nvSpPr>
+          <p:cNvPr id="3" name="Notes Placeholder 2"/>
+          <p:cNvSpPr>
+            <a:spLocks noGrp="1"/>
+          </p:cNvSpPr>
+          <p:nvPr>
+            <p:ph type="body" idx="1"/>
+          </p:nvPr>
+        </p:nvSpPr>
+        <p:spPr/>
+        <p:txBody>
+          <a:bodyPr/>
+          <a:lstStyle/>
+          <a:p>
+            <a:r>
+              <a:rPr lang="en-US" dirty="0"/>
+              <a:t>After completing my data analysis I wanted to present Microsoft with three recommendations for their first Movie Studio production.</a:t>
+            </a:r>
+          </a:p>
+          <a:p>
+            <a:endParaRPr lang="en-US" dirty="0"/>
+          </a:p>
+          <a:p>
+            <a:r>
+              <a:rPr lang="en-US" dirty="0"/>
+              <a:t>For maximum potential profit, I’d recommend they choose either an Animation or Fantasy film. As they are a new studio, I wanted to provide them with both options since the profit data was so similar between the two.</a:t>
+            </a:r>
+          </a:p>
+          <a:p>
+            <a:endParaRPr lang="en-US" dirty="0"/>
+          </a:p>
+          <a:p>
+            <a:r>
+              <a:rPr lang="en-US" dirty="0"/>
+              <a:t>For maximum potential return on investment, I’d recommend the choose an Animation film as the Animation genre was the clear </a:t>
+            </a:r>
+            <a:r>
+              <a:rPr lang="en-US" dirty="0" err="1"/>
+              <a:t>roi</a:t>
+            </a:r>
+            <a:r>
+              <a:rPr lang="en-US" dirty="0"/>
+              <a:t> winner.</a:t>
+            </a:r>
+          </a:p>
+          <a:p>
+            <a:endParaRPr lang="en-US" dirty="0"/>
+          </a:p>
+          <a:p>
+            <a:r>
+              <a:rPr lang="en-US" dirty="0"/>
+              <a:t>For the ideal movie runtime, I’d recommend 90-98 minutes for optimal success.</a:t>
+            </a:r>
+          </a:p>
+        </p:txBody>
+      </p:sp>
+      <p:sp>
+        <p:nvSpPr>
+          <p:cNvPr id="4" name="Slide Number Placeholder 3"/>
+          <p:cNvSpPr>
+            <a:spLocks noGrp="1"/>
+          </p:cNvSpPr>
+          <p:nvPr>
+            <p:ph type="sldNum" sz="quarter" idx="5"/>
+          </p:nvPr>
+        </p:nvSpPr>
+        <p:spPr/>
+        <p:txBody>
+          <a:bodyPr/>
+          <a:lstStyle/>
+          <a:p>
+            <a:fld id="{0D8A2DB5-5F44-3049-A86A-F50EF4341CF3}" type="slidenum">
+              <a:rPr lang="en-US" smtClean="0"/>
+              <a:t>9</a:t>
+            </a:fld>
+            <a:endParaRPr lang="en-US"/>
+          </a:p>
+        </p:txBody>
+      </p:sp>
+    </p:spTree>
+    <p:extLst>
+      <p:ext uri="{BB962C8B-B14F-4D97-AF65-F5344CB8AC3E}">
+        <p14:creationId xmlns:p14="http://schemas.microsoft.com/office/powerpoint/2010/main" val="1728760041"/>
+      </p:ext>
+    </p:extLst>
+  </p:cSld>
+  <p:clrMapOvr>
+    <a:masterClrMapping/>
+  </p:clrMapOvr>
+</p:notes>
+</file>
+
 <file path=ppt/slideLayouts/slideLayout1.xml><?xml version="1.0" encoding="utf-8"?>
 <p:sldLayout xmlns:a="http://schemas.openxmlformats.org/drawingml/2006/main" xmlns:r="http://schemas.openxmlformats.org/officeDocument/2006/relationships" xmlns:p="http://schemas.openxmlformats.org/presentationml/2006/main" type="title" preserve="1">
   <p:cSld name="Title Slide">
@@ -5961,7 +7321,7 @@
           <a:p>
             <a:fld id="{48A87A34-81AB-432B-8DAE-1953F412C126}" type="datetimeFigureOut">
               <a:rPr lang="en-US" dirty="0"/>
-              <a:t>3/6/22</a:t>
+              <a:t>3/7/22</a:t>
             </a:fld>
             <a:endParaRPr lang="en-US" dirty="0"/>
           </a:p>
@@ -6167,7 +7527,7 @@
           <a:p>
             <a:fld id="{48A87A34-81AB-432B-8DAE-1953F412C126}" type="datetimeFigureOut">
               <a:rPr lang="en-US" dirty="0"/>
-              <a:t>3/6/22</a:t>
+              <a:t>3/7/22</a:t>
             </a:fld>
             <a:endParaRPr lang="en-US" dirty="0"/>
           </a:p>
@@ -6377,7 +7737,7 @@
           <a:p>
             <a:fld id="{48A87A34-81AB-432B-8DAE-1953F412C126}" type="datetimeFigureOut">
               <a:rPr lang="en-US" dirty="0"/>
-              <a:t>3/6/22</a:t>
+              <a:t>3/7/22</a:t>
             </a:fld>
             <a:endParaRPr lang="en-US" dirty="0"/>
           </a:p>
@@ -6573,7 +7933,7 @@
           <a:p>
             <a:fld id="{48A87A34-81AB-432B-8DAE-1953F412C126}" type="datetimeFigureOut">
               <a:rPr lang="en-US" dirty="0"/>
-              <a:t>3/6/22</a:t>
+              <a:t>3/7/22</a:t>
             </a:fld>
             <a:endParaRPr lang="en-US" dirty="0"/>
           </a:p>
@@ -6847,7 +8207,7 @@
           <a:p>
             <a:fld id="{48A87A34-81AB-432B-8DAE-1953F412C126}" type="datetimeFigureOut">
               <a:rPr lang="en-US" dirty="0"/>
-              <a:t>3/6/22</a:t>
+              <a:t>3/7/22</a:t>
             </a:fld>
             <a:endParaRPr lang="en-US" dirty="0"/>
           </a:p>
@@ -7110,7 +8470,7 @@
           <a:p>
             <a:fld id="{48A87A34-81AB-432B-8DAE-1953F412C126}" type="datetimeFigureOut">
               <a:rPr lang="en-US" dirty="0"/>
-              <a:t>3/6/22</a:t>
+              <a:t>3/7/22</a:t>
             </a:fld>
             <a:endParaRPr lang="en-US" dirty="0"/>
           </a:p>
@@ -7521,7 +8881,7 @@
           <a:p>
             <a:fld id="{48A87A34-81AB-432B-8DAE-1953F412C126}" type="datetimeFigureOut">
               <a:rPr lang="en-US" dirty="0"/>
-              <a:t>3/6/22</a:t>
+              <a:t>3/7/22</a:t>
             </a:fld>
             <a:endParaRPr lang="en-US" dirty="0"/>
           </a:p>
@@ -7665,7 +9025,7 @@
           <a:p>
             <a:fld id="{48A87A34-81AB-432B-8DAE-1953F412C126}" type="datetimeFigureOut">
               <a:rPr lang="en-US" dirty="0"/>
-              <a:t>3/6/22</a:t>
+              <a:t>3/7/22</a:t>
             </a:fld>
             <a:endParaRPr lang="en-US" dirty="0"/>
           </a:p>
@@ -7786,7 +9146,7 @@
           <a:p>
             <a:fld id="{48A87A34-81AB-432B-8DAE-1953F412C126}" type="datetimeFigureOut">
               <a:rPr lang="en-US" dirty="0"/>
-              <a:t>3/6/22</a:t>
+              <a:t>3/7/22</a:t>
             </a:fld>
             <a:endParaRPr lang="en-US" dirty="0"/>
           </a:p>
@@ -8032,7 +9392,7 @@
           <a:p>
             <a:fld id="{48A87A34-81AB-432B-8DAE-1953F412C126}" type="datetimeFigureOut">
               <a:rPr lang="en-US" dirty="0"/>
-              <a:t>3/6/22</a:t>
+              <a:t>3/7/22</a:t>
             </a:fld>
             <a:endParaRPr lang="en-US" dirty="0"/>
           </a:p>
@@ -8473,7 +9833,7 @@
             <a:fld id="{48A87A34-81AB-432B-8DAE-1953F412C126}" type="datetimeFigureOut">
               <a:rPr lang="en-US" dirty="0"/>
               <a:pPr/>
-              <a:t>3/6/22</a:t>
+              <a:t>3/7/22</a:t>
             </a:fld>
             <a:endParaRPr lang="en-US" dirty="0"/>
           </a:p>
@@ -8796,7 +10156,7 @@
             <a:fld id="{48A87A34-81AB-432B-8DAE-1953F412C126}" type="datetimeFigureOut">
               <a:rPr lang="en-US" dirty="0"/>
               <a:pPr/>
-              <a:t>3/6/22</a:t>
+              <a:t>3/7/22</a:t>
             </a:fld>
             <a:endParaRPr lang="en-US" dirty="0"/>
           </a:p>
@@ -9760,7 +11120,7 @@
           </p:nvPr>
         </p:nvPicPr>
         <p:blipFill rotWithShape="1">
-          <a:blip r:embed="rId2">
+          <a:blip r:embed="rId3">
             <a:extLst>
               <a:ext uri="{28A0092B-C50C-407E-A947-70E740481C1C}">
                 <a14:useLocalDpi xmlns:a14="http://schemas.microsoft.com/office/drawing/2010/main" val="0"/>
@@ -9920,7 +11280,7 @@
         </p:xfrm>
         <a:graphic>
           <a:graphicData uri="http://schemas.openxmlformats.org/drawingml/2006/diagram">
-            <dgm:relIds xmlns:dgm="http://schemas.openxmlformats.org/drawingml/2006/diagram" xmlns:r="http://schemas.openxmlformats.org/officeDocument/2006/relationships" r:dm="rId2" r:lo="rId3" r:qs="rId4" r:cs="rId5"/>
+            <dgm:relIds xmlns:dgm="http://schemas.openxmlformats.org/drawingml/2006/diagram" xmlns:r="http://schemas.openxmlformats.org/officeDocument/2006/relationships" r:dm="rId3" r:lo="rId4" r:qs="rId5" r:cs="rId6"/>
           </a:graphicData>
         </a:graphic>
       </p:graphicFrame>
@@ -10643,10 +12003,15 @@
             <p:ph sz="half" idx="1"/>
           </p:nvPr>
         </p:nvSpPr>
-        <p:spPr/>
+        <p:spPr>
+          <a:xfrm>
+            <a:off x="1447331" y="2010878"/>
+            <a:ext cx="2210269" cy="3448595"/>
+          </a:xfrm>
+        </p:spPr>
         <p:txBody>
           <a:bodyPr>
-            <a:normAutofit fontScale="92500" lnSpcReduction="20000"/>
+            <a:normAutofit fontScale="77500" lnSpcReduction="20000"/>
           </a:bodyPr>
           <a:lstStyle/>
           <a:p>
@@ -10733,7 +12098,7 @@
         <p:spPr/>
         <p:txBody>
           <a:bodyPr>
-            <a:normAutofit fontScale="92500" lnSpcReduction="20000"/>
+            <a:normAutofit fontScale="77500" lnSpcReduction="20000"/>
           </a:bodyPr>
           <a:lstStyle/>
           <a:p>
@@ -10748,7 +12113,21 @@
           <a:p>
             <a:r>
               <a:rPr lang="en-US" dirty="0"/>
-              <a:t>Merged dataframes for complete picture of all included movies</a:t>
+              <a:t>Merged dataframes for complete picture of all included movies, removed unnecessary columns</a:t>
+            </a:r>
+          </a:p>
+          <a:p>
+            <a:pPr lvl="1"/>
+            <a:r>
+              <a:rPr lang="en-US" dirty="0"/>
+              <a:t>Initial dataframe contained 6740 rows</a:t>
+            </a:r>
+          </a:p>
+          <a:p>
+            <a:pPr lvl="1"/>
+            <a:r>
+              <a:rPr lang="en-US" dirty="0"/>
+              <a:t>Dataframe of only Animation movies contained 106 rows</a:t>
             </a:r>
           </a:p>
           <a:p>
@@ -10768,6 +12147,109 @@
               <a:rPr lang="en-US" dirty="0"/>
               <a:t>Created visualizations of correlations</a:t>
             </a:r>
+          </a:p>
+        </p:txBody>
+      </p:sp>
+      <p:sp>
+        <p:nvSpPr>
+          <p:cNvPr id="6" name="TextBox 5">
+            <a:extLst>
+              <a:ext uri="{FF2B5EF4-FFF2-40B4-BE49-F238E27FC236}">
+                <a16:creationId xmlns:a16="http://schemas.microsoft.com/office/drawing/2014/main" id="{EDDCFD31-C015-E84A-97B7-23C9F7046EDD}"/>
+              </a:ext>
+            </a:extLst>
+          </p:cNvPr>
+          <p:cNvSpPr txBox="1"/>
+          <p:nvPr/>
+        </p:nvSpPr>
+        <p:spPr>
+          <a:xfrm>
+            <a:off x="3885731" y="2017343"/>
+            <a:ext cx="2210269" cy="3862596"/>
+          </a:xfrm>
+          <a:prstGeom prst="rect">
+            <a:avLst/>
+          </a:prstGeom>
+          <a:noFill/>
+        </p:spPr>
+        <p:txBody>
+          <a:bodyPr wrap="square" rtlCol="0">
+            <a:spAutoFit/>
+          </a:bodyPr>
+          <a:lstStyle/>
+          <a:p>
+            <a:pPr marL="285750" indent="-285750">
+              <a:buClr>
+                <a:schemeClr val="accent1"/>
+              </a:buClr>
+              <a:buFont typeface="Arial" panose="020B0604020202020204" pitchFamily="34" charset="0"/>
+              <a:buChar char="•"/>
+            </a:pPr>
+            <a:r>
+              <a:rPr lang="en-US" sz="1400" dirty="0"/>
+              <a:t>Initial dataframe contained 6740 entries</a:t>
+            </a:r>
+          </a:p>
+          <a:p>
+            <a:pPr marL="285750" indent="-285750">
+              <a:buClr>
+                <a:schemeClr val="accent1"/>
+              </a:buClr>
+              <a:buFont typeface="Arial" panose="020B0604020202020204" pitchFamily="34" charset="0"/>
+              <a:buChar char="•"/>
+            </a:pPr>
+            <a:r>
+              <a:rPr lang="en-US" sz="1400" dirty="0"/>
+              <a:t>Dataframe excluding non-profitable movies contained 4549 entries</a:t>
+            </a:r>
+          </a:p>
+          <a:p>
+            <a:pPr marL="285750" indent="-285750">
+              <a:buClr>
+                <a:schemeClr val="accent1"/>
+              </a:buClr>
+              <a:buFont typeface="Arial" panose="020B0604020202020204" pitchFamily="34" charset="0"/>
+              <a:buChar char="•"/>
+            </a:pPr>
+            <a:r>
+              <a:rPr lang="en-US" sz="1400" dirty="0"/>
+              <a:t>Dataframe of profitable movies after removing missing runtime data contained 4261 entries</a:t>
+            </a:r>
+          </a:p>
+          <a:p>
+            <a:pPr marL="285750" indent="-285750">
+              <a:buClr>
+                <a:schemeClr val="accent1"/>
+              </a:buClr>
+              <a:buFont typeface="Arial" panose="020B0604020202020204" pitchFamily="34" charset="0"/>
+              <a:buChar char="•"/>
+            </a:pPr>
+            <a:r>
+              <a:rPr lang="en-US" sz="1400" dirty="0"/>
+              <a:t>Dataframe only including profitable Animation genre movies contained 106 </a:t>
+            </a:r>
+            <a:r>
+              <a:rPr lang="en-US" sz="1400" dirty="0" err="1"/>
+              <a:t>entires</a:t>
+            </a:r>
+            <a:endParaRPr lang="en-US" sz="1400" dirty="0"/>
+          </a:p>
+          <a:p>
+            <a:pPr marL="285750" indent="-285750">
+              <a:buFont typeface="Arial" panose="020B0604020202020204" pitchFamily="34" charset="0"/>
+              <a:buChar char="•"/>
+            </a:pPr>
+            <a:endParaRPr lang="en-US" sz="1400" dirty="0"/>
+          </a:p>
+          <a:p>
+            <a:pPr marL="285750" indent="-285750">
+              <a:buFont typeface="Arial" panose="020B0604020202020204" pitchFamily="34" charset="0"/>
+              <a:buChar char="•"/>
+            </a:pPr>
+            <a:endParaRPr lang="en-US" sz="1700" dirty="0"/>
+          </a:p>
+          <a:p>
+            <a:endParaRPr lang="en-US" dirty="0"/>
           </a:p>
         </p:txBody>
       </p:sp>
@@ -10830,75 +12312,74 @@
             <a:pPr algn="ctr"/>
             <a:r>
               <a:rPr lang="en-US" dirty="0"/>
-              <a:t>Business Problem 1: Profit</a:t>
+              <a:t>Business Problem Overview</a:t>
             </a:r>
           </a:p>
         </p:txBody>
       </p:sp>
-      <p:pic>
-        <p:nvPicPr>
-          <p:cNvPr id="5" name="Content Placeholder 4" descr="Chart, scatter chart&#10;&#10;Description automatically generated">
+      <p:sp>
+        <p:nvSpPr>
+          <p:cNvPr id="4" name="Content Placeholder 3">
             <a:extLst>
               <a:ext uri="{FF2B5EF4-FFF2-40B4-BE49-F238E27FC236}">
-                <a16:creationId xmlns:a16="http://schemas.microsoft.com/office/drawing/2014/main" id="{42D2FB9C-81CD-D649-86A1-2CFB52552440}"/>
+                <a16:creationId xmlns:a16="http://schemas.microsoft.com/office/drawing/2014/main" id="{8A4F8C6D-787E-0343-86D7-1FE176A3877A}"/>
               </a:ext>
             </a:extLst>
           </p:cNvPr>
-          <p:cNvPicPr>
-            <a:picLocks noGrp="1" noChangeAspect="1"/>
-          </p:cNvPicPr>
+          <p:cNvSpPr>
+            <a:spLocks noGrp="1"/>
+          </p:cNvSpPr>
           <p:nvPr>
             <p:ph idx="1"/>
           </p:nvPr>
-        </p:nvPicPr>
-        <p:blipFill>
-          <a:blip r:embed="rId2"/>
-          <a:stretch>
-            <a:fillRect/>
-          </a:stretch>
-        </p:blipFill>
-        <p:spPr>
-          <a:xfrm>
-            <a:off x="341842" y="2161989"/>
-            <a:ext cx="8498416" cy="4249208"/>
-          </a:xfrm>
-        </p:spPr>
-      </p:pic>
-      <p:sp>
-        <p:nvSpPr>
-          <p:cNvPr id="6" name="TextBox 5">
-            <a:extLst>
-              <a:ext uri="{FF2B5EF4-FFF2-40B4-BE49-F238E27FC236}">
-                <a16:creationId xmlns:a16="http://schemas.microsoft.com/office/drawing/2014/main" id="{C84D35AC-0F74-3746-ACBB-FA0AB2608120}"/>
-              </a:ext>
-            </a:extLst>
-          </p:cNvPr>
-          <p:cNvSpPr txBox="1"/>
-          <p:nvPr/>
         </p:nvSpPr>
-        <p:spPr>
-          <a:xfrm>
-            <a:off x="9103361" y="2722290"/>
-            <a:ext cx="2388658" cy="2031325"/>
-          </a:xfrm>
-          <a:prstGeom prst="rect">
-            <a:avLst/>
-          </a:prstGeom>
-          <a:noFill/>
-        </p:spPr>
+        <p:spPr/>
         <p:txBody>
-          <a:bodyPr wrap="square" rtlCol="0">
-            <a:spAutoFit/>
-          </a:bodyPr>
+          <a:bodyPr/>
           <a:lstStyle/>
           <a:p>
-            <a:pPr marL="285750" indent="-285750">
-              <a:buFont typeface="Arial" panose="020B0604020202020204" pitchFamily="34" charset="0"/>
-              <a:buChar char="•"/>
+            <a:pPr marL="0" indent="0" algn="ctr">
+              <a:buNone/>
             </a:pPr>
             <a:r>
+              <a:rPr lang="en-US" sz="2800" dirty="0"/>
+              <a:t>Which movies are doing the best in the box office?</a:t>
+            </a:r>
+          </a:p>
+          <a:p>
+            <a:pPr marL="0" indent="0">
+              <a:buNone/>
+            </a:pPr>
+            <a:endParaRPr lang="en-US" dirty="0"/>
+          </a:p>
+          <a:p>
+            <a:pPr marL="0" indent="0" algn="ctr">
+              <a:buNone/>
+            </a:pPr>
+            <a:r>
               <a:rPr lang="en-US" dirty="0"/>
-              <a:t>A weak relation between production budget and profit earned was shown before and after adjusting for inflation.</a:t>
+              <a:t>To answer this question the following will be explored:</a:t>
+            </a:r>
+          </a:p>
+          <a:p>
+            <a:pPr algn="ctr"/>
+            <a:r>
+              <a:rPr lang="en-US" dirty="0"/>
+              <a:t>Highest grossing genre</a:t>
+            </a:r>
+          </a:p>
+          <a:p>
+            <a:pPr algn="ctr"/>
+            <a:r>
+              <a:rPr lang="en-US" dirty="0"/>
+              <a:t>Genre providing highest return on investment</a:t>
+            </a:r>
+          </a:p>
+          <a:p>
+            <a:pPr algn="ctr"/>
+            <a:r>
+              <a:rPr lang="en-US" dirty="0"/>
+              <a:t>Ideal movie runtime</a:t>
             </a:r>
           </a:p>
         </p:txBody>
@@ -10919,6 +12400,30 @@
 <file path=ppt/slides/slide5.xml><?xml version="1.0" encoding="utf-8"?>
 <p:sld xmlns:a="http://schemas.openxmlformats.org/drawingml/2006/main" xmlns:r="http://schemas.openxmlformats.org/officeDocument/2006/relationships" xmlns:p="http://schemas.openxmlformats.org/presentationml/2006/main">
   <p:cSld>
+    <p:bg>
+      <p:bgPr>
+        <a:gradFill rotWithShape="1">
+          <a:gsLst>
+            <a:gs pos="0">
+              <a:schemeClr val="bg2">
+                <a:tint val="94000"/>
+                <a:satMod val="80000"/>
+                <a:lumMod val="106000"/>
+              </a:schemeClr>
+            </a:gs>
+            <a:gs pos="100000">
+              <a:schemeClr val="bg2">
+                <a:shade val="80000"/>
+              </a:schemeClr>
+            </a:gs>
+          </a:gsLst>
+          <a:path path="circle">
+            <a:fillToRect l="43000" r="43000" b="100000"/>
+          </a:path>
+        </a:gradFill>
+        <a:effectLst/>
+      </p:bgPr>
+    </p:bg>
     <p:spTree>
       <p:nvGrpSpPr>
         <p:cNvPr id="1" name=""/>
@@ -10933,6 +12438,140 @@
           <a:chExt cx="0" cy="0"/>
         </a:xfrm>
       </p:grpSpPr>
+      <p:sp useBgFill="1">
+        <p:nvSpPr>
+          <p:cNvPr id="13" name="Rectangle 12">
+            <a:extLst>
+              <a:ext uri="{FF2B5EF4-FFF2-40B4-BE49-F238E27FC236}">
+                <a16:creationId xmlns:a16="http://schemas.microsoft.com/office/drawing/2014/main" id="{C630F413-44CE-4746-9821-9E0107978E7A}"/>
+              </a:ext>
+              <a:ext uri="{C183D7F6-B498-43B3-948B-1728B52AA6E4}">
+                <adec:decorative xmlns:adec="http://schemas.microsoft.com/office/drawing/2017/decorative" val="1"/>
+              </a:ext>
+            </a:extLst>
+          </p:cNvPr>
+          <p:cNvSpPr>
+            <a:spLocks noGrp="1" noRot="1" noChangeAspect="1" noMove="1" noResize="1" noEditPoints="1" noAdjustHandles="1" noChangeArrowheads="1" noChangeShapeType="1" noTextEdit="1"/>
+          </p:cNvSpPr>
+          <p:nvPr>
+            <p:extLst>
+              <p:ext uri="{386F3935-93C4-4BCD-93E2-E3B085C9AB24}">
+                <p16:designElem xmlns:p16="http://schemas.microsoft.com/office/powerpoint/2015/main" val="1"/>
+              </p:ext>
+            </p:extLst>
+          </p:nvPr>
+        </p:nvSpPr>
+        <p:spPr>
+          <a:xfrm>
+            <a:off x="2" y="0"/>
+            <a:ext cx="12191695" cy="6858000"/>
+          </a:xfrm>
+          <a:prstGeom prst="rect">
+            <a:avLst/>
+          </a:prstGeom>
+          <a:ln>
+            <a:noFill/>
+          </a:ln>
+        </p:spPr>
+        <p:style>
+          <a:lnRef idx="2">
+            <a:schemeClr val="accent1">
+              <a:shade val="50000"/>
+            </a:schemeClr>
+          </a:lnRef>
+          <a:fillRef idx="1">
+            <a:schemeClr val="accent1"/>
+          </a:fillRef>
+          <a:effectRef idx="0">
+            <a:schemeClr val="accent1"/>
+          </a:effectRef>
+          <a:fontRef idx="minor">
+            <a:schemeClr val="lt1"/>
+          </a:fontRef>
+        </p:style>
+        <p:txBody>
+          <a:bodyPr rtlCol="0" anchor="ctr"/>
+          <a:lstStyle/>
+          <a:p>
+            <a:pPr algn="ctr"/>
+            <a:endParaRPr lang="en-US"/>
+          </a:p>
+        </p:txBody>
+      </p:sp>
+      <p:sp>
+        <p:nvSpPr>
+          <p:cNvPr id="15" name="Rectangle 14">
+            <a:extLst>
+              <a:ext uri="{FF2B5EF4-FFF2-40B4-BE49-F238E27FC236}">
+                <a16:creationId xmlns:a16="http://schemas.microsoft.com/office/drawing/2014/main" id="{22D671B1-B099-4F9C-B9CC-9D22B4DAF8A8}"/>
+              </a:ext>
+              <a:ext uri="{C183D7F6-B498-43B3-948B-1728B52AA6E4}">
+                <adec:decorative xmlns:adec="http://schemas.microsoft.com/office/drawing/2017/decorative" val="1"/>
+              </a:ext>
+            </a:extLst>
+          </p:cNvPr>
+          <p:cNvSpPr>
+            <a:spLocks noGrp="1" noRot="1" noChangeAspect="1" noMove="1" noResize="1" noEditPoints="1" noAdjustHandles="1" noChangeArrowheads="1" noChangeShapeType="1" noTextEdit="1"/>
+          </p:cNvSpPr>
+          <p:nvPr>
+            <p:extLst>
+              <p:ext uri="{386F3935-93C4-4BCD-93E2-E3B085C9AB24}">
+                <p16:designElem xmlns:p16="http://schemas.microsoft.com/office/powerpoint/2015/main" val="1"/>
+              </p:ext>
+            </p:extLst>
+          </p:nvPr>
+        </p:nvSpPr>
+        <p:spPr>
+          <a:xfrm>
+            <a:off x="0" y="2019476"/>
+            <a:ext cx="12192000" cy="4838524"/>
+          </a:xfrm>
+          <a:prstGeom prst="rect">
+            <a:avLst/>
+          </a:prstGeom>
+          <a:gradFill flip="none" rotWithShape="1">
+            <a:gsLst>
+              <a:gs pos="0">
+                <a:schemeClr val="bg2">
+                  <a:alpha val="0"/>
+                </a:schemeClr>
+              </a:gs>
+              <a:gs pos="100000">
+                <a:schemeClr val="bg2"/>
+              </a:gs>
+            </a:gsLst>
+            <a:lin ang="5400000" scaled="0"/>
+            <a:tileRect/>
+          </a:gradFill>
+          <a:ln>
+            <a:noFill/>
+          </a:ln>
+        </p:spPr>
+        <p:style>
+          <a:lnRef idx="2">
+            <a:schemeClr val="accent1">
+              <a:shade val="50000"/>
+            </a:schemeClr>
+          </a:lnRef>
+          <a:fillRef idx="1">
+            <a:schemeClr val="accent1"/>
+          </a:fillRef>
+          <a:effectRef idx="0">
+            <a:schemeClr val="accent1"/>
+          </a:effectRef>
+          <a:fontRef idx="minor">
+            <a:schemeClr val="lt1"/>
+          </a:fontRef>
+        </p:style>
+        <p:txBody>
+          <a:bodyPr rtlCol="0" anchor="ctr"/>
+          <a:lstStyle/>
+          <a:p>
+            <a:pPr lvl="0" algn="ctr"/>
+            <a:endParaRPr lang="en-US"/>
+          </a:p>
+        </p:txBody>
+      </p:sp>
       <p:sp>
         <p:nvSpPr>
           <p:cNvPr id="2" name="Title 1">
@@ -10951,35 +12590,146 @@
         </p:nvSpPr>
         <p:spPr>
           <a:xfrm>
-            <a:off x="1451579" y="804519"/>
-            <a:ext cx="9603275" cy="990413"/>
+            <a:off x="7555992" y="707475"/>
+            <a:ext cx="3157577" cy="1312001"/>
           </a:xfrm>
         </p:spPr>
         <p:txBody>
-          <a:bodyPr/>
+          <a:bodyPr vert="horz" lIns="91440" tIns="45720" rIns="91440" bIns="45720" rtlCol="0" anchor="t">
+            <a:normAutofit/>
+          </a:bodyPr>
           <a:lstStyle/>
           <a:p>
             <a:pPr algn="ctr"/>
             <a:r>
-              <a:rPr lang="en-US" dirty="0"/>
-              <a:t>Business Problem 1: Profit </a:t>
+              <a:rPr lang="en-US" sz="2400" dirty="0"/>
+              <a:t>Business Problem 1: </a:t>
             </a:r>
             <a:br>
-              <a:rPr lang="en-US" dirty="0"/>
+              <a:rPr lang="en-US" sz="2400" dirty="0"/>
             </a:br>
             <a:r>
-              <a:rPr lang="en-US" dirty="0"/>
-              <a:t>Continued</a:t>
-            </a:r>
+              <a:rPr lang="en-US" sz="2400" dirty="0"/>
+              <a:t>Highest Grossing Genre</a:t>
+            </a:r>
+          </a:p>
+        </p:txBody>
+      </p:sp>
+      <p:cxnSp>
+        <p:nvCxnSpPr>
+          <p:cNvPr id="17" name="Straight Connector 16">
+            <a:extLst>
+              <a:ext uri="{FF2B5EF4-FFF2-40B4-BE49-F238E27FC236}">
+                <a16:creationId xmlns:a16="http://schemas.microsoft.com/office/drawing/2014/main" id="{7552FBEF-FA69-427B-8245-0A518E0513D5}"/>
+              </a:ext>
+              <a:ext uri="{C183D7F6-B498-43B3-948B-1728B52AA6E4}">
+                <adec:decorative xmlns:adec="http://schemas.microsoft.com/office/drawing/2017/decorative" val="1"/>
+              </a:ext>
+            </a:extLst>
+          </p:cNvPr>
+          <p:cNvCxnSpPr>
+            <a:cxnSpLocks noGrp="1" noRot="1" noChangeAspect="1" noMove="1" noResize="1" noEditPoints="1" noAdjustHandles="1" noChangeArrowheads="1" noChangeShapeType="1"/>
+          </p:cNvCxnSpPr>
+          <p:nvPr>
+            <p:extLst>
+              <p:ext uri="{386F3935-93C4-4BCD-93E2-E3B085C9AB24}">
+                <p16:designElem xmlns:p16="http://schemas.microsoft.com/office/powerpoint/2015/main" val="1"/>
+              </p:ext>
+            </p:extLst>
+          </p:nvPr>
+        </p:nvCxnSpPr>
+        <p:spPr>
+          <a:xfrm>
+            <a:off x="7555992" y="2146542"/>
+            <a:ext cx="3157578" cy="0"/>
+          </a:xfrm>
+          <a:prstGeom prst="line">
+            <a:avLst/>
+          </a:prstGeom>
+          <a:ln w="31750"/>
+        </p:spPr>
+        <p:style>
+          <a:lnRef idx="3">
+            <a:schemeClr val="accent1"/>
+          </a:lnRef>
+          <a:fillRef idx="0">
+            <a:schemeClr val="accent1"/>
+          </a:fillRef>
+          <a:effectRef idx="2">
+            <a:schemeClr val="accent1"/>
+          </a:effectRef>
+          <a:fontRef idx="minor">
+            <a:schemeClr val="tx1"/>
+          </a:fontRef>
+        </p:style>
+      </p:cxnSp>
+      <p:sp>
+        <p:nvSpPr>
+          <p:cNvPr id="19" name="Title 1">
+            <a:extLst>
+              <a:ext uri="{FF2B5EF4-FFF2-40B4-BE49-F238E27FC236}">
+                <a16:creationId xmlns:a16="http://schemas.microsoft.com/office/drawing/2014/main" id="{898488B7-DBD3-40E7-B54B-4DA6C5693EF3}"/>
+              </a:ext>
+              <a:ext uri="{C183D7F6-B498-43B3-948B-1728B52AA6E4}">
+                <adec:decorative xmlns:adec="http://schemas.microsoft.com/office/drawing/2017/decorative" val="1"/>
+              </a:ext>
+            </a:extLst>
+          </p:cNvPr>
+          <p:cNvSpPr txBox="1">
+            <a:spLocks noGrp="1" noRot="1" noChangeAspect="1" noMove="1" noResize="1" noEditPoints="1" noAdjustHandles="1" noChangeArrowheads="1" noChangeShapeType="1" noTextEdit="1"/>
+          </p:cNvSpPr>
+          <p:nvPr>
+            <p:extLst>
+              <p:ext uri="{386F3935-93C4-4BCD-93E2-E3B085C9AB24}">
+                <p16:designElem xmlns:p16="http://schemas.microsoft.com/office/powerpoint/2015/main" val="1"/>
+              </p:ext>
+            </p:extLst>
+          </p:nvPr>
+        </p:nvSpPr>
+        <p:spPr>
+          <a:xfrm>
+            <a:off x="1451580" y="3122496"/>
+            <a:ext cx="3530157" cy="1049235"/>
+          </a:xfrm>
+          <a:prstGeom prst="rect">
+            <a:avLst/>
+          </a:prstGeom>
+        </p:spPr>
+        <p:txBody>
+          <a:bodyPr vert="horz" lIns="91440" tIns="45720" rIns="91440" bIns="45720" rtlCol="0" anchor="t">
+            <a:normAutofit/>
+          </a:bodyPr>
+          <a:lstStyle>
+            <a:lvl1pPr algn="l" defTabSz="914400" rtl="0" eaLnBrk="1" latinLnBrk="0" hangingPunct="1">
+              <a:lnSpc>
+                <a:spcPct val="90000"/>
+              </a:lnSpc>
+              <a:spcBef>
+                <a:spcPct val="0"/>
+              </a:spcBef>
+              <a:buNone/>
+              <a:defRPr sz="3200" b="0" i="0" kern="1200" cap="all">
+                <a:solidFill>
+                  <a:schemeClr val="tx1"/>
+                </a:solidFill>
+                <a:effectLst/>
+                <a:latin typeface="+mj-lt"/>
+                <a:ea typeface="+mj-ea"/>
+                <a:cs typeface="+mj-cs"/>
+              </a:defRPr>
+            </a:lvl1pPr>
+          </a:lstStyle>
+          <a:p>
+            <a:endParaRPr lang="en-US" dirty="0"/>
           </a:p>
         </p:txBody>
       </p:sp>
       <p:pic>
         <p:nvPicPr>
-          <p:cNvPr id="5" name="Content Placeholder 4">
+          <p:cNvPr id="8" name="Content Placeholder 7" descr="Chart, bar chart&#10;&#10;Description automatically generated">
             <a:extLst>
               <a:ext uri="{FF2B5EF4-FFF2-40B4-BE49-F238E27FC236}">
-                <a16:creationId xmlns:a16="http://schemas.microsoft.com/office/drawing/2014/main" id="{42D2FB9C-81CD-D649-86A1-2CFB52552440}"/>
+                <a16:creationId xmlns:a16="http://schemas.microsoft.com/office/drawing/2014/main" id="{008C87DF-305A-1945-92A0-74856B0AD67D}"/>
               </a:ext>
             </a:extLst>
           </p:cNvPr>
@@ -10991,15 +12741,19 @@
           </p:nvPr>
         </p:nvPicPr>
         <p:blipFill>
-          <a:blip r:embed="rId2"/>
-          <a:srcRect/>
-          <a:stretch/>
+          <a:blip r:embed="rId3"/>
+          <a:stretch>
+            <a:fillRect/>
+          </a:stretch>
         </p:blipFill>
         <p:spPr>
           <a:xfrm>
-            <a:off x="341842" y="2161989"/>
-            <a:ext cx="8498416" cy="4249208"/>
+            <a:off x="1421657" y="707475"/>
+            <a:ext cx="5190401" cy="5507058"/>
           </a:xfrm>
+          <a:prstGeom prst="rect">
+            <a:avLst/>
+          </a:prstGeom>
         </p:spPr>
       </p:pic>
       <p:sp>
@@ -11016,21 +12770,30 @@
         </p:nvSpPr>
         <p:spPr>
           <a:xfrm>
-            <a:off x="9103361" y="2722290"/>
-            <a:ext cx="2388658" cy="2031325"/>
+            <a:off x="7554138" y="2273608"/>
+            <a:ext cx="3159432" cy="3940925"/>
           </a:xfrm>
           <a:prstGeom prst="rect">
             <a:avLst/>
           </a:prstGeom>
-          <a:noFill/>
         </p:spPr>
         <p:txBody>
-          <a:bodyPr wrap="square" rtlCol="0">
-            <a:spAutoFit/>
+          <a:bodyPr vert="horz" lIns="91440" tIns="45720" rIns="91440" bIns="45720" rtlCol="0" anchor="t">
+            <a:normAutofit/>
           </a:bodyPr>
           <a:lstStyle/>
           <a:p>
-            <a:pPr marL="285750" indent="-285750">
+            <a:pPr marL="285750" indent="-228600" defTabSz="914400">
+              <a:lnSpc>
+                <a:spcPct val="120000"/>
+              </a:lnSpc>
+              <a:spcAft>
+                <a:spcPts val="600"/>
+              </a:spcAft>
+              <a:buClr>
+                <a:schemeClr val="accent1"/>
+              </a:buClr>
+              <a:buSzPct val="100000"/>
               <a:buFont typeface="Arial" panose="020B0604020202020204" pitchFamily="34" charset="0"/>
               <a:buChar char="•"/>
             </a:pPr>
@@ -11038,6 +12801,7 @@
               <a:rPr lang="en-US" dirty="0"/>
               <a:t>Taking inflation into consideration, Animation and Fantasy came in first and second place for highest profits earned.</a:t>
             </a:r>
+            <a:endParaRPr lang="en-US"/>
           </a:p>
         </p:txBody>
       </p:sp>
@@ -11122,7 +12886,7 @@
           </p:nvPr>
         </p:nvPicPr>
         <p:blipFill>
-          <a:blip r:embed="rId2"/>
+          <a:blip r:embed="rId3"/>
           <a:srcRect/>
           <a:stretch/>
         </p:blipFill>
@@ -11258,7 +13022,7 @@
           </p:nvPr>
         </p:nvPicPr>
         <p:blipFill>
-          <a:blip r:embed="rId2"/>
+          <a:blip r:embed="rId3"/>
           <a:stretch>
             <a:fillRect/>
           </a:stretch>
@@ -11393,7 +13157,7 @@
           </p:nvPr>
         </p:nvPicPr>
         <p:blipFill>
-          <a:blip r:embed="rId2"/>
+          <a:blip r:embed="rId3"/>
           <a:srcRect/>
           <a:stretch/>
         </p:blipFill>
@@ -11528,7 +13292,7 @@
         </p:xfrm>
         <a:graphic>
           <a:graphicData uri="http://schemas.openxmlformats.org/drawingml/2006/diagram">
-            <dgm:relIds xmlns:dgm="http://schemas.openxmlformats.org/drawingml/2006/diagram" xmlns:r="http://schemas.openxmlformats.org/officeDocument/2006/relationships" r:dm="rId2" r:lo="rId3" r:qs="rId4" r:cs="rId5"/>
+            <dgm:relIds xmlns:dgm="http://schemas.openxmlformats.org/drawingml/2006/diagram" xmlns:r="http://schemas.openxmlformats.org/officeDocument/2006/relationships" r:dm="rId3" r:lo="rId4" r:qs="rId5" r:cs="rId6"/>
           </a:graphicData>
         </a:graphic>
       </p:graphicFrame>
@@ -11796,4 +13560,299 @@
     </a:ext>
   </a:extLst>
 </a:theme>
+</file>
+
+<file path=ppt/theme/theme2.xml><?xml version="1.0" encoding="utf-8"?>
+<a:theme xmlns:a="http://schemas.openxmlformats.org/drawingml/2006/main" name="Office Theme">
+  <a:themeElements>
+    <a:clrScheme name="Office">
+      <a:dk1>
+        <a:sysClr val="windowText" lastClr="000000"/>
+      </a:dk1>
+      <a:lt1>
+        <a:sysClr val="window" lastClr="FFFFFF"/>
+      </a:lt1>
+      <a:dk2>
+        <a:srgbClr val="44546A"/>
+      </a:dk2>
+      <a:lt2>
+        <a:srgbClr val="E7E6E6"/>
+      </a:lt2>
+      <a:accent1>
+        <a:srgbClr val="4472C4"/>
+      </a:accent1>
+      <a:accent2>
+        <a:srgbClr val="ED7D31"/>
+      </a:accent2>
+      <a:accent3>
+        <a:srgbClr val="A5A5A5"/>
+      </a:accent3>
+      <a:accent4>
+        <a:srgbClr val="FFC000"/>
+      </a:accent4>
+      <a:accent5>
+        <a:srgbClr val="5B9BD5"/>
+      </a:accent5>
+      <a:accent6>
+        <a:srgbClr val="70AD47"/>
+      </a:accent6>
+      <a:hlink>
+        <a:srgbClr val="0563C1"/>
+      </a:hlink>
+      <a:folHlink>
+        <a:srgbClr val="954F72"/>
+      </a:folHlink>
+    </a:clrScheme>
+    <a:fontScheme name="Office">
+      <a:majorFont>
+        <a:latin typeface="Calibri Light" panose="020F0302020204030204"/>
+        <a:ea typeface=""/>
+        <a:cs typeface=""/>
+        <a:font script="Jpan" typeface="游ゴシック Light"/>
+        <a:font script="Hang" typeface="맑은 고딕"/>
+        <a:font script="Hans" typeface="等线 Light"/>
+        <a:font script="Hant" typeface="新細明體"/>
+        <a:font script="Arab" typeface="Times New Roman"/>
+        <a:font script="Hebr" typeface="Times New Roman"/>
+        <a:font script="Thai" typeface="Angsana New"/>
+        <a:font script="Ethi" typeface="Nyala"/>
+        <a:font script="Beng" typeface="Vrinda"/>
+        <a:font script="Gujr" typeface="Shruti"/>
+        <a:font script="Khmr" typeface="MoolBoran"/>
+        <a:font script="Knda" typeface="Tunga"/>
+        <a:font script="Guru" typeface="Raavi"/>
+        <a:font script="Cans" typeface="Euphemia"/>
+        <a:font script="Cher" typeface="Plantagenet Cherokee"/>
+        <a:font script="Yiii" typeface="Microsoft Yi Baiti"/>
+        <a:font script="Tibt" typeface="Microsoft Himalaya"/>
+        <a:font script="Thaa" typeface="MV Boli"/>
+        <a:font script="Deva" typeface="Mangal"/>
+        <a:font script="Telu" typeface="Gautami"/>
+        <a:font script="Taml" typeface="Latha"/>
+        <a:font script="Syrc" typeface="Estrangelo Edessa"/>
+        <a:font script="Orya" typeface="Kalinga"/>
+        <a:font script="Mlym" typeface="Kartika"/>
+        <a:font script="Laoo" typeface="DokChampa"/>
+        <a:font script="Sinh" typeface="Iskoola Pota"/>
+        <a:font script="Mong" typeface="Mongolian Baiti"/>
+        <a:font script="Viet" typeface="Times New Roman"/>
+        <a:font script="Uigh" typeface="Microsoft Uighur"/>
+        <a:font script="Geor" typeface="Sylfaen"/>
+        <a:font script="Armn" typeface="Arial"/>
+        <a:font script="Bugi" typeface="Leelawadee UI"/>
+        <a:font script="Bopo" typeface="Microsoft JhengHei"/>
+        <a:font script="Java" typeface="Javanese Text"/>
+        <a:font script="Lisu" typeface="Segoe UI"/>
+        <a:font script="Mymr" typeface="Myanmar Text"/>
+        <a:font script="Nkoo" typeface="Ebrima"/>
+        <a:font script="Olck" typeface="Nirmala UI"/>
+        <a:font script="Osma" typeface="Ebrima"/>
+        <a:font script="Phag" typeface="Phagspa"/>
+        <a:font script="Syrn" typeface="Estrangelo Edessa"/>
+        <a:font script="Syrj" typeface="Estrangelo Edessa"/>
+        <a:font script="Syre" typeface="Estrangelo Edessa"/>
+        <a:font script="Sora" typeface="Nirmala UI"/>
+        <a:font script="Tale" typeface="Microsoft Tai Le"/>
+        <a:font script="Talu" typeface="Microsoft New Tai Lue"/>
+        <a:font script="Tfng" typeface="Ebrima"/>
+      </a:majorFont>
+      <a:minorFont>
+        <a:latin typeface="Calibri" panose="020F0502020204030204"/>
+        <a:ea typeface=""/>
+        <a:cs typeface=""/>
+        <a:font script="Jpan" typeface="游ゴシック"/>
+        <a:font script="Hang" typeface="맑은 고딕"/>
+        <a:font script="Hans" typeface="等线"/>
+        <a:font script="Hant" typeface="新細明體"/>
+        <a:font script="Arab" typeface="Arial"/>
+        <a:font script="Hebr" typeface="Arial"/>
+        <a:font script="Thai" typeface="Cordia New"/>
+        <a:font script="Ethi" typeface="Nyala"/>
+        <a:font script="Beng" typeface="Vrinda"/>
+        <a:font script="Gujr" typeface="Shruti"/>
+        <a:font script="Khmr" typeface="DaunPenh"/>
+        <a:font script="Knda" typeface="Tunga"/>
+        <a:font script="Guru" typeface="Raavi"/>
+        <a:font script="Cans" typeface="Euphemia"/>
+        <a:font script="Cher" typeface="Plantagenet Cherokee"/>
+        <a:font script="Yiii" typeface="Microsoft Yi Baiti"/>
+        <a:font script="Tibt" typeface="Microsoft Himalaya"/>
+        <a:font script="Thaa" typeface="MV Boli"/>
+        <a:font script="Deva" typeface="Mangal"/>
+        <a:font script="Telu" typeface="Gautami"/>
+        <a:font script="Taml" typeface="Latha"/>
+        <a:font script="Syrc" typeface="Estrangelo Edessa"/>
+        <a:font script="Orya" typeface="Kalinga"/>
+        <a:font script="Mlym" typeface="Kartika"/>
+        <a:font script="Laoo" typeface="DokChampa"/>
+        <a:font script="Sinh" typeface="Iskoola Pota"/>
+        <a:font script="Mong" typeface="Mongolian Baiti"/>
+        <a:font script="Viet" typeface="Arial"/>
+        <a:font script="Uigh" typeface="Microsoft Uighur"/>
+        <a:font script="Geor" typeface="Sylfaen"/>
+        <a:font script="Armn" typeface="Arial"/>
+        <a:font script="Bugi" typeface="Leelawadee UI"/>
+        <a:font script="Bopo" typeface="Microsoft JhengHei"/>
+        <a:font script="Java" typeface="Javanese Text"/>
+        <a:font script="Lisu" typeface="Segoe UI"/>
+        <a:font script="Mymr" typeface="Myanmar Text"/>
+        <a:font script="Nkoo" typeface="Ebrima"/>
+        <a:font script="Olck" typeface="Nirmala UI"/>
+        <a:font script="Osma" typeface="Ebrima"/>
+        <a:font script="Phag" typeface="Phagspa"/>
+        <a:font script="Syrn" typeface="Estrangelo Edessa"/>
+        <a:font script="Syrj" typeface="Estrangelo Edessa"/>
+        <a:font script="Syre" typeface="Estrangelo Edessa"/>
+        <a:font script="Sora" typeface="Nirmala UI"/>
+        <a:font script="Tale" typeface="Microsoft Tai Le"/>
+        <a:font script="Talu" typeface="Microsoft New Tai Lue"/>
+        <a:font script="Tfng" typeface="Ebrima"/>
+      </a:minorFont>
+    </a:fontScheme>
+    <a:fmtScheme name="Office">
+      <a:fillStyleLst>
+        <a:solidFill>
+          <a:schemeClr val="phClr"/>
+        </a:solidFill>
+        <a:gradFill rotWithShape="1">
+          <a:gsLst>
+            <a:gs pos="0">
+              <a:schemeClr val="phClr">
+                <a:lumMod val="110000"/>
+                <a:satMod val="105000"/>
+                <a:tint val="67000"/>
+              </a:schemeClr>
+            </a:gs>
+            <a:gs pos="50000">
+              <a:schemeClr val="phClr">
+                <a:lumMod val="105000"/>
+                <a:satMod val="103000"/>
+                <a:tint val="73000"/>
+              </a:schemeClr>
+            </a:gs>
+            <a:gs pos="100000">
+              <a:schemeClr val="phClr">
+                <a:lumMod val="105000"/>
+                <a:satMod val="109000"/>
+                <a:tint val="81000"/>
+              </a:schemeClr>
+            </a:gs>
+          </a:gsLst>
+          <a:lin ang="5400000" scaled="0"/>
+        </a:gradFill>
+        <a:gradFill rotWithShape="1">
+          <a:gsLst>
+            <a:gs pos="0">
+              <a:schemeClr val="phClr">
+                <a:satMod val="103000"/>
+                <a:lumMod val="102000"/>
+                <a:tint val="94000"/>
+              </a:schemeClr>
+            </a:gs>
+            <a:gs pos="50000">
+              <a:schemeClr val="phClr">
+                <a:satMod val="110000"/>
+                <a:lumMod val="100000"/>
+                <a:shade val="100000"/>
+              </a:schemeClr>
+            </a:gs>
+            <a:gs pos="100000">
+              <a:schemeClr val="phClr">
+                <a:lumMod val="99000"/>
+                <a:satMod val="120000"/>
+                <a:shade val="78000"/>
+              </a:schemeClr>
+            </a:gs>
+          </a:gsLst>
+          <a:lin ang="5400000" scaled="0"/>
+        </a:gradFill>
+      </a:fillStyleLst>
+      <a:lnStyleLst>
+        <a:ln w="6350" cap="flat" cmpd="sng" algn="ctr">
+          <a:solidFill>
+            <a:schemeClr val="phClr"/>
+          </a:solidFill>
+          <a:prstDash val="solid"/>
+          <a:miter lim="800000"/>
+        </a:ln>
+        <a:ln w="12700" cap="flat" cmpd="sng" algn="ctr">
+          <a:solidFill>
+            <a:schemeClr val="phClr"/>
+          </a:solidFill>
+          <a:prstDash val="solid"/>
+          <a:miter lim="800000"/>
+        </a:ln>
+        <a:ln w="19050" cap="flat" cmpd="sng" algn="ctr">
+          <a:solidFill>
+            <a:schemeClr val="phClr"/>
+          </a:solidFill>
+          <a:prstDash val="solid"/>
+          <a:miter lim="800000"/>
+        </a:ln>
+      </a:lnStyleLst>
+      <a:effectStyleLst>
+        <a:effectStyle>
+          <a:effectLst/>
+        </a:effectStyle>
+        <a:effectStyle>
+          <a:effectLst/>
+        </a:effectStyle>
+        <a:effectStyle>
+          <a:effectLst>
+            <a:outerShdw blurRad="57150" dist="19050" dir="5400000" algn="ctr" rotWithShape="0">
+              <a:srgbClr val="000000">
+                <a:alpha val="63000"/>
+              </a:srgbClr>
+            </a:outerShdw>
+          </a:effectLst>
+        </a:effectStyle>
+      </a:effectStyleLst>
+      <a:bgFillStyleLst>
+        <a:solidFill>
+          <a:schemeClr val="phClr"/>
+        </a:solidFill>
+        <a:solidFill>
+          <a:schemeClr val="phClr">
+            <a:tint val="95000"/>
+            <a:satMod val="170000"/>
+          </a:schemeClr>
+        </a:solidFill>
+        <a:gradFill rotWithShape="1">
+          <a:gsLst>
+            <a:gs pos="0">
+              <a:schemeClr val="phClr">
+                <a:tint val="93000"/>
+                <a:satMod val="150000"/>
+                <a:shade val="98000"/>
+                <a:lumMod val="102000"/>
+              </a:schemeClr>
+            </a:gs>
+            <a:gs pos="50000">
+              <a:schemeClr val="phClr">
+                <a:tint val="98000"/>
+                <a:satMod val="130000"/>
+                <a:shade val="90000"/>
+                <a:lumMod val="103000"/>
+              </a:schemeClr>
+            </a:gs>
+            <a:gs pos="100000">
+              <a:schemeClr val="phClr">
+                <a:shade val="63000"/>
+                <a:satMod val="120000"/>
+              </a:schemeClr>
+            </a:gs>
+          </a:gsLst>
+          <a:lin ang="5400000" scaled="0"/>
+        </a:gradFill>
+      </a:bgFillStyleLst>
+    </a:fmtScheme>
+  </a:themeElements>
+  <a:objectDefaults/>
+  <a:extraClrSchemeLst/>
+  <a:extLst>
+    <a:ext uri="{05A4C25C-085E-4340-85A3-A5531E510DB2}">
+      <thm15:themeFamily xmlns:thm15="http://schemas.microsoft.com/office/thememl/2012/main" name="Office Theme" id="{62F939B6-93AF-4DB8-9C6B-D6C7DFDC589F}" vid="{4A3C46E8-61CC-4603-A589-7422A47A8E4A}"/>
+    </a:ext>
+  </a:extLst>
+</a:theme>
 </file>
--- a/DS_Phase1_Project_Presentation.pptx
+++ b/DS_Phase1_Project_Presentation.pptx
@@ -1647,8 +1647,8 @@
             <a:defRPr cap="all"/>
           </a:pPr>
           <a:r>
-            <a:rPr lang="en-US"/>
-            <a:t>Maximum potential profit: Animation or Fantasy genres</a:t>
+            <a:rPr lang="en-US" dirty="0"/>
+            <a:t>Maximum potential profit: Animation or Adventure genres</a:t>
           </a:r>
         </a:p>
       </dgm:t>
@@ -2437,8 +2437,8 @@
             <a:defRPr cap="all"/>
           </a:pPr>
           <a:r>
-            <a:rPr lang="en-US" sz="1600" kern="1200"/>
-            <a:t>Maximum potential profit: Animation or Fantasy genres</a:t>
+            <a:rPr lang="en-US" sz="1600" kern="1200" dirty="0"/>
+            <a:t>Maximum potential profit: Animation or Adventure genres</a:t>
           </a:r>
         </a:p>
       </dsp:txBody>
@@ -12726,7 +12726,7 @@
       </p:sp>
       <p:pic>
         <p:nvPicPr>
-          <p:cNvPr id="8" name="Content Placeholder 7" descr="Chart, bar chart&#10;&#10;Description automatically generated">
+          <p:cNvPr id="8" name="Content Placeholder 7">
             <a:extLst>
               <a:ext uri="{FF2B5EF4-FFF2-40B4-BE49-F238E27FC236}">
                 <a16:creationId xmlns:a16="http://schemas.microsoft.com/office/drawing/2014/main" id="{008C87DF-305A-1945-92A0-74856B0AD67D}"/>
@@ -12742,14 +12742,13 @@
         </p:nvPicPr>
         <p:blipFill>
           <a:blip r:embed="rId3"/>
-          <a:stretch>
-            <a:fillRect/>
-          </a:stretch>
+          <a:srcRect/>
+          <a:stretch/>
         </p:blipFill>
         <p:spPr>
           <a:xfrm>
-            <a:off x="1421657" y="707475"/>
-            <a:ext cx="5190401" cy="5507058"/>
+            <a:off x="951470" y="98006"/>
+            <a:ext cx="6054811" cy="6642657"/>
           </a:xfrm>
           <a:prstGeom prst="rect">
             <a:avLst/>
@@ -12799,9 +12798,8 @@
             </a:pPr>
             <a:r>
               <a:rPr lang="en-US" dirty="0"/>
-              <a:t>Taking inflation into consideration, Animation and Fantasy came in first and second place for highest profits earned.</a:t>
-            </a:r>
-            <a:endParaRPr lang="en-US"/>
+              <a:t>Taking inflation into consideration, Animation and Adventure came in first and second place for highest profits earned.</a:t>
+            </a:r>
           </a:p>
         </p:txBody>
       </p:sp>
@@ -12931,7 +12929,7 @@
             </a:pPr>
             <a:r>
               <a:rPr lang="en-US" dirty="0"/>
-              <a:t>After seeing that Animation and Fantasy came very close in profit, return on investment was investigated.</a:t>
+              <a:t>After seeing that Animation came in first place for profit, return on investment was investigated.</a:t>
             </a:r>
           </a:p>
           <a:p>
@@ -12941,7 +12939,7 @@
             </a:pPr>
             <a:r>
               <a:rPr lang="en-US" dirty="0"/>
-              <a:t>Animation came in first place when looking at return on investment.</a:t>
+              <a:t>Animation came in first place with a 3:1 ratio when looking at return on investment.</a:t>
             </a:r>
           </a:p>
         </p:txBody>
@@ -12962,6 +12960,30 @@
 <file path=ppt/slides/slide7.xml><?xml version="1.0" encoding="utf-8"?>
 <p:sld xmlns:a="http://schemas.openxmlformats.org/drawingml/2006/main" xmlns:r="http://schemas.openxmlformats.org/officeDocument/2006/relationships" xmlns:p="http://schemas.openxmlformats.org/presentationml/2006/main">
   <p:cSld>
+    <p:bg>
+      <p:bgPr>
+        <a:gradFill rotWithShape="1">
+          <a:gsLst>
+            <a:gs pos="0">
+              <a:schemeClr val="bg2">
+                <a:tint val="94000"/>
+                <a:satMod val="80000"/>
+                <a:lumMod val="106000"/>
+              </a:schemeClr>
+            </a:gs>
+            <a:gs pos="100000">
+              <a:schemeClr val="bg2">
+                <a:shade val="80000"/>
+              </a:schemeClr>
+            </a:gs>
+          </a:gsLst>
+          <a:path path="circle">
+            <a:fillToRect l="43000" r="43000" b="100000"/>
+          </a:path>
+        </a:gradFill>
+        <a:effectLst/>
+      </p:bgPr>
+    </p:bg>
     <p:spTree>
       <p:nvGrpSpPr>
         <p:cNvPr id="1" name=""/>
@@ -12978,6 +13000,352 @@
       </p:grpSpPr>
       <p:sp>
         <p:nvSpPr>
+          <p:cNvPr id="15" name="Rectangle 14">
+            <a:extLst>
+              <a:ext uri="{FF2B5EF4-FFF2-40B4-BE49-F238E27FC236}">
+                <a16:creationId xmlns:a16="http://schemas.microsoft.com/office/drawing/2014/main" id="{0CABCAE3-64FC-4149-819F-2C1812824154}"/>
+              </a:ext>
+              <a:ext uri="{C183D7F6-B498-43B3-948B-1728B52AA6E4}">
+                <adec:decorative xmlns:adec="http://schemas.microsoft.com/office/drawing/2017/decorative" val="1"/>
+              </a:ext>
+            </a:extLst>
+          </p:cNvPr>
+          <p:cNvSpPr>
+            <a:spLocks noGrp="1" noRot="1" noChangeAspect="1" noMove="1" noResize="1" noEditPoints="1" noAdjustHandles="1" noChangeArrowheads="1" noChangeShapeType="1" noTextEdit="1"/>
+          </p:cNvSpPr>
+          <p:nvPr>
+            <p:extLst>
+              <p:ext uri="{386F3935-93C4-4BCD-93E2-E3B085C9AB24}">
+                <p16:designElem xmlns:p16="http://schemas.microsoft.com/office/powerpoint/2015/main" val="1"/>
+              </p:ext>
+            </p:extLst>
+          </p:nvPr>
+        </p:nvSpPr>
+        <p:spPr>
+          <a:xfrm>
+            <a:off x="0" y="2019476"/>
+            <a:ext cx="12192000" cy="4105941"/>
+          </a:xfrm>
+          <a:prstGeom prst="rect">
+            <a:avLst/>
+          </a:prstGeom>
+          <a:gradFill flip="none" rotWithShape="1">
+            <a:gsLst>
+              <a:gs pos="0">
+                <a:schemeClr val="bg2">
+                  <a:alpha val="0"/>
+                </a:schemeClr>
+              </a:gs>
+              <a:gs pos="100000">
+                <a:schemeClr val="bg2"/>
+              </a:gs>
+            </a:gsLst>
+            <a:lin ang="5400000" scaled="0"/>
+            <a:tileRect/>
+          </a:gradFill>
+          <a:ln>
+            <a:noFill/>
+          </a:ln>
+        </p:spPr>
+        <p:style>
+          <a:lnRef idx="2">
+            <a:schemeClr val="accent1">
+              <a:shade val="50000"/>
+            </a:schemeClr>
+          </a:lnRef>
+          <a:fillRef idx="1">
+            <a:schemeClr val="accent1"/>
+          </a:fillRef>
+          <a:effectRef idx="0">
+            <a:schemeClr val="accent1"/>
+          </a:effectRef>
+          <a:fontRef idx="minor">
+            <a:schemeClr val="lt1"/>
+          </a:fontRef>
+        </p:style>
+      </p:sp>
+      <p:pic>
+        <p:nvPicPr>
+          <p:cNvPr id="17" name="Picture 16">
+            <a:extLst>
+              <a:ext uri="{FF2B5EF4-FFF2-40B4-BE49-F238E27FC236}">
+                <a16:creationId xmlns:a16="http://schemas.microsoft.com/office/drawing/2014/main" id="{012FDCFE-9AD2-4D8A-8CBF-B3AA37EBF6DD}"/>
+              </a:ext>
+              <a:ext uri="{C183D7F6-B498-43B3-948B-1728B52AA6E4}">
+                <adec:decorative xmlns:adec="http://schemas.microsoft.com/office/drawing/2017/decorative" val="1"/>
+              </a:ext>
+            </a:extLst>
+          </p:cNvPr>
+          <p:cNvPicPr>
+            <a:picLocks noGrp="1" noRot="1" noChangeAspect="1" noMove="1" noResize="1" noEditPoints="1" noAdjustHandles="1" noChangeArrowheads="1" noChangeShapeType="1" noCrop="1"/>
+          </p:cNvPicPr>
+          <p:nvPr>
+            <p:extLst>
+              <p:ext uri="{386F3935-93C4-4BCD-93E2-E3B085C9AB24}">
+                <p16:designElem xmlns:p16="http://schemas.microsoft.com/office/powerpoint/2015/main" val="1"/>
+              </p:ext>
+            </p:extLst>
+          </p:nvPr>
+        </p:nvPicPr>
+        <p:blipFill rotWithShape="1">
+          <a:blip r:embed="rId3">
+            <a:extLst>
+              <a:ext uri="{28A0092B-C50C-407E-A947-70E740481C1C}">
+                <a14:useLocalDpi xmlns:a14="http://schemas.microsoft.com/office/drawing/2010/main" val="0"/>
+              </a:ext>
+            </a:extLst>
+          </a:blip>
+          <a:srcRect t="1538" b="-1538"/>
+          <a:stretch/>
+        </p:blipFill>
+        <p:spPr bwMode="black">
+          <a:xfrm>
+            <a:off x="0" y="6126480"/>
+            <a:ext cx="12192000" cy="742950"/>
+          </a:xfrm>
+          <a:prstGeom prst="rect">
+            <a:avLst/>
+          </a:prstGeom>
+        </p:spPr>
+      </p:pic>
+      <p:cxnSp>
+        <p:nvCxnSpPr>
+          <p:cNvPr id="19" name="Straight Connector 18">
+            <a:extLst>
+              <a:ext uri="{FF2B5EF4-FFF2-40B4-BE49-F238E27FC236}">
+                <a16:creationId xmlns:a16="http://schemas.microsoft.com/office/drawing/2014/main" id="{FBD463FC-4CA8-4FF4-85A3-AF9F4B98D210}"/>
+              </a:ext>
+              <a:ext uri="{C183D7F6-B498-43B3-948B-1728B52AA6E4}">
+                <adec:decorative xmlns:adec="http://schemas.microsoft.com/office/drawing/2017/decorative" val="1"/>
+              </a:ext>
+            </a:extLst>
+          </p:cNvPr>
+          <p:cNvCxnSpPr>
+            <a:cxnSpLocks noGrp="1" noRot="1" noChangeAspect="1" noMove="1" noResize="1" noEditPoints="1" noAdjustHandles="1" noChangeArrowheads="1" noChangeShapeType="1"/>
+          </p:cNvCxnSpPr>
+          <p:nvPr>
+            <p:extLst>
+              <p:ext uri="{386F3935-93C4-4BCD-93E2-E3B085C9AB24}">
+                <p16:designElem xmlns:p16="http://schemas.microsoft.com/office/powerpoint/2015/main" val="1"/>
+              </p:ext>
+            </p:extLst>
+          </p:nvPr>
+        </p:nvCxnSpPr>
+        <p:spPr>
+          <a:xfrm>
+            <a:off x="0" y="6128413"/>
+            <a:ext cx="12192000" cy="0"/>
+          </a:xfrm>
+          <a:prstGeom prst="line">
+            <a:avLst/>
+          </a:prstGeom>
+          <a:ln w="12700">
+            <a:solidFill>
+              <a:srgbClr val="000001">
+                <a:alpha val="20000"/>
+              </a:srgbClr>
+            </a:solidFill>
+          </a:ln>
+        </p:spPr>
+        <p:style>
+          <a:lnRef idx="1">
+            <a:schemeClr val="accent1"/>
+          </a:lnRef>
+          <a:fillRef idx="0">
+            <a:schemeClr val="accent1"/>
+          </a:fillRef>
+          <a:effectRef idx="0">
+            <a:schemeClr val="accent1"/>
+          </a:effectRef>
+          <a:fontRef idx="minor">
+            <a:schemeClr val="tx1"/>
+          </a:fontRef>
+        </p:style>
+      </p:cxnSp>
+      <p:cxnSp>
+        <p:nvCxnSpPr>
+          <p:cNvPr id="21" name="Straight Connector 20">
+            <a:extLst>
+              <a:ext uri="{FF2B5EF4-FFF2-40B4-BE49-F238E27FC236}">
+                <a16:creationId xmlns:a16="http://schemas.microsoft.com/office/drawing/2014/main" id="{A56012FD-74A8-4C91-B318-435CF2B71927}"/>
+              </a:ext>
+              <a:ext uri="{C183D7F6-B498-43B3-948B-1728B52AA6E4}">
+                <adec:decorative xmlns:adec="http://schemas.microsoft.com/office/drawing/2017/decorative" val="1"/>
+              </a:ext>
+            </a:extLst>
+          </p:cNvPr>
+          <p:cNvCxnSpPr>
+            <a:cxnSpLocks noGrp="1" noRot="1" noChangeAspect="1" noMove="1" noResize="1" noEditPoints="1" noAdjustHandles="1" noChangeArrowheads="1" noChangeShapeType="1"/>
+          </p:cNvCxnSpPr>
+          <p:nvPr>
+            <p:extLst>
+              <p:ext uri="{386F3935-93C4-4BCD-93E2-E3B085C9AB24}">
+                <p16:designElem xmlns:p16="http://schemas.microsoft.com/office/powerpoint/2015/main" val="1"/>
+              </p:ext>
+            </p:extLst>
+          </p:nvPr>
+        </p:nvCxnSpPr>
+        <p:spPr>
+          <a:xfrm>
+            <a:off x="1453896" y="1847088"/>
+            <a:ext cx="9607522" cy="0"/>
+          </a:xfrm>
+          <a:prstGeom prst="line">
+            <a:avLst/>
+          </a:prstGeom>
+          <a:ln w="31750"/>
+        </p:spPr>
+        <p:style>
+          <a:lnRef idx="3">
+            <a:schemeClr val="accent1"/>
+          </a:lnRef>
+          <a:fillRef idx="0">
+            <a:schemeClr val="accent1"/>
+          </a:fillRef>
+          <a:effectRef idx="2">
+            <a:schemeClr val="accent1"/>
+          </a:effectRef>
+          <a:fontRef idx="minor">
+            <a:schemeClr val="tx1"/>
+          </a:fontRef>
+        </p:style>
+      </p:cxnSp>
+      <p:sp useBgFill="1">
+        <p:nvSpPr>
+          <p:cNvPr id="23" name="Rectangle 22">
+            <a:extLst>
+              <a:ext uri="{FF2B5EF4-FFF2-40B4-BE49-F238E27FC236}">
+                <a16:creationId xmlns:a16="http://schemas.microsoft.com/office/drawing/2014/main" id="{C630F413-44CE-4746-9821-9E0107978E7A}"/>
+              </a:ext>
+              <a:ext uri="{C183D7F6-B498-43B3-948B-1728B52AA6E4}">
+                <adec:decorative xmlns:adec="http://schemas.microsoft.com/office/drawing/2017/decorative" val="1"/>
+              </a:ext>
+            </a:extLst>
+          </p:cNvPr>
+          <p:cNvSpPr>
+            <a:spLocks noGrp="1" noRot="1" noChangeAspect="1" noMove="1" noResize="1" noEditPoints="1" noAdjustHandles="1" noChangeArrowheads="1" noChangeShapeType="1" noTextEdit="1"/>
+          </p:cNvSpPr>
+          <p:nvPr>
+            <p:extLst>
+              <p:ext uri="{386F3935-93C4-4BCD-93E2-E3B085C9AB24}">
+                <p16:designElem xmlns:p16="http://schemas.microsoft.com/office/powerpoint/2015/main" val="1"/>
+              </p:ext>
+            </p:extLst>
+          </p:nvPr>
+        </p:nvSpPr>
+        <p:spPr>
+          <a:xfrm>
+            <a:off x="2" y="0"/>
+            <a:ext cx="12191695" cy="6858000"/>
+          </a:xfrm>
+          <a:prstGeom prst="rect">
+            <a:avLst/>
+          </a:prstGeom>
+          <a:ln>
+            <a:noFill/>
+          </a:ln>
+        </p:spPr>
+        <p:style>
+          <a:lnRef idx="2">
+            <a:schemeClr val="accent1">
+              <a:shade val="50000"/>
+            </a:schemeClr>
+          </a:lnRef>
+          <a:fillRef idx="1">
+            <a:schemeClr val="accent1"/>
+          </a:fillRef>
+          <a:effectRef idx="0">
+            <a:schemeClr val="accent1"/>
+          </a:effectRef>
+          <a:fontRef idx="minor">
+            <a:schemeClr val="lt1"/>
+          </a:fontRef>
+        </p:style>
+        <p:txBody>
+          <a:bodyPr rtlCol="0" anchor="ctr"/>
+          <a:lstStyle/>
+          <a:p>
+            <a:pPr algn="ctr"/>
+            <a:endParaRPr lang="en-US"/>
+          </a:p>
+        </p:txBody>
+      </p:sp>
+      <p:sp>
+        <p:nvSpPr>
+          <p:cNvPr id="25" name="Rectangle 24">
+            <a:extLst>
+              <a:ext uri="{FF2B5EF4-FFF2-40B4-BE49-F238E27FC236}">
+                <a16:creationId xmlns:a16="http://schemas.microsoft.com/office/drawing/2014/main" id="{22D671B1-B099-4F9C-B9CC-9D22B4DAF8A8}"/>
+              </a:ext>
+              <a:ext uri="{C183D7F6-B498-43B3-948B-1728B52AA6E4}">
+                <adec:decorative xmlns:adec="http://schemas.microsoft.com/office/drawing/2017/decorative" val="1"/>
+              </a:ext>
+            </a:extLst>
+          </p:cNvPr>
+          <p:cNvSpPr>
+            <a:spLocks noGrp="1" noRot="1" noChangeAspect="1" noMove="1" noResize="1" noEditPoints="1" noAdjustHandles="1" noChangeArrowheads="1" noChangeShapeType="1" noTextEdit="1"/>
+          </p:cNvSpPr>
+          <p:nvPr>
+            <p:extLst>
+              <p:ext uri="{386F3935-93C4-4BCD-93E2-E3B085C9AB24}">
+                <p16:designElem xmlns:p16="http://schemas.microsoft.com/office/powerpoint/2015/main" val="1"/>
+              </p:ext>
+            </p:extLst>
+          </p:nvPr>
+        </p:nvSpPr>
+        <p:spPr>
+          <a:xfrm>
+            <a:off x="0" y="2019476"/>
+            <a:ext cx="12192000" cy="4838524"/>
+          </a:xfrm>
+          <a:prstGeom prst="rect">
+            <a:avLst/>
+          </a:prstGeom>
+          <a:gradFill flip="none" rotWithShape="1">
+            <a:gsLst>
+              <a:gs pos="0">
+                <a:schemeClr val="bg2">
+                  <a:alpha val="0"/>
+                </a:schemeClr>
+              </a:gs>
+              <a:gs pos="100000">
+                <a:schemeClr val="bg2"/>
+              </a:gs>
+            </a:gsLst>
+            <a:lin ang="5400000" scaled="0"/>
+            <a:tileRect/>
+          </a:gradFill>
+          <a:ln>
+            <a:noFill/>
+          </a:ln>
+        </p:spPr>
+        <p:style>
+          <a:lnRef idx="2">
+            <a:schemeClr val="accent1">
+              <a:shade val="50000"/>
+            </a:schemeClr>
+          </a:lnRef>
+          <a:fillRef idx="1">
+            <a:schemeClr val="accent1"/>
+          </a:fillRef>
+          <a:effectRef idx="0">
+            <a:schemeClr val="accent1"/>
+          </a:effectRef>
+          <a:fontRef idx="minor">
+            <a:schemeClr val="lt1"/>
+          </a:fontRef>
+        </p:style>
+        <p:txBody>
+          <a:bodyPr rtlCol="0" anchor="ctr"/>
+          <a:lstStyle/>
+          <a:p>
+            <a:pPr lvl="0" algn="ctr"/>
+            <a:endParaRPr lang="en-US"/>
+          </a:p>
+        </p:txBody>
+      </p:sp>
+      <p:sp>
+        <p:nvSpPr>
           <p:cNvPr id="2" name="Title 1">
             <a:extLst>
               <a:ext uri="{FF2B5EF4-FFF2-40B4-BE49-F238E27FC236}">
@@ -12992,16 +13360,131 @@
             <p:ph type="title"/>
           </p:nvPr>
         </p:nvSpPr>
-        <p:spPr/>
+        <p:spPr>
+          <a:xfrm>
+            <a:off x="7555992" y="707475"/>
+            <a:ext cx="3157577" cy="1312001"/>
+          </a:xfrm>
+        </p:spPr>
         <p:txBody>
-          <a:bodyPr/>
+          <a:bodyPr vert="horz" lIns="91440" tIns="45720" rIns="91440" bIns="45720" rtlCol="0" anchor="t">
+            <a:normAutofit/>
+          </a:bodyPr>
           <a:lstStyle/>
           <a:p>
-            <a:pPr algn="ctr"/>
-            <a:r>
-              <a:rPr lang="en-US" dirty="0"/>
+            <a:r>
+              <a:rPr lang="en-US" sz="2800"/>
               <a:t>Business Problem 3: Runtime</a:t>
             </a:r>
+          </a:p>
+        </p:txBody>
+      </p:sp>
+      <p:cxnSp>
+        <p:nvCxnSpPr>
+          <p:cNvPr id="27" name="Straight Connector 26">
+            <a:extLst>
+              <a:ext uri="{FF2B5EF4-FFF2-40B4-BE49-F238E27FC236}">
+                <a16:creationId xmlns:a16="http://schemas.microsoft.com/office/drawing/2014/main" id="{7552FBEF-FA69-427B-8245-0A518E0513D5}"/>
+              </a:ext>
+              <a:ext uri="{C183D7F6-B498-43B3-948B-1728B52AA6E4}">
+                <adec:decorative xmlns:adec="http://schemas.microsoft.com/office/drawing/2017/decorative" val="1"/>
+              </a:ext>
+            </a:extLst>
+          </p:cNvPr>
+          <p:cNvCxnSpPr>
+            <a:cxnSpLocks noGrp="1" noRot="1" noChangeAspect="1" noMove="1" noResize="1" noEditPoints="1" noAdjustHandles="1" noChangeArrowheads="1" noChangeShapeType="1"/>
+          </p:cNvCxnSpPr>
+          <p:nvPr>
+            <p:extLst>
+              <p:ext uri="{386F3935-93C4-4BCD-93E2-E3B085C9AB24}">
+                <p16:designElem xmlns:p16="http://schemas.microsoft.com/office/powerpoint/2015/main" val="1"/>
+              </p:ext>
+            </p:extLst>
+          </p:nvPr>
+        </p:nvCxnSpPr>
+        <p:spPr>
+          <a:xfrm>
+            <a:off x="7555992" y="2146542"/>
+            <a:ext cx="3157578" cy="0"/>
+          </a:xfrm>
+          <a:prstGeom prst="line">
+            <a:avLst/>
+          </a:prstGeom>
+          <a:ln w="31750"/>
+        </p:spPr>
+        <p:style>
+          <a:lnRef idx="3">
+            <a:schemeClr val="accent1"/>
+          </a:lnRef>
+          <a:fillRef idx="0">
+            <a:schemeClr val="accent1"/>
+          </a:fillRef>
+          <a:effectRef idx="2">
+            <a:schemeClr val="accent1"/>
+          </a:effectRef>
+          <a:fontRef idx="minor">
+            <a:schemeClr val="tx1"/>
+          </a:fontRef>
+        </p:style>
+      </p:cxnSp>
+      <p:sp>
+        <p:nvSpPr>
+          <p:cNvPr id="29" name="Title 1">
+            <a:extLst>
+              <a:ext uri="{FF2B5EF4-FFF2-40B4-BE49-F238E27FC236}">
+                <a16:creationId xmlns:a16="http://schemas.microsoft.com/office/drawing/2014/main" id="{898488B7-DBD3-40E7-B54B-4DA6C5693EF3}"/>
+              </a:ext>
+              <a:ext uri="{C183D7F6-B498-43B3-948B-1728B52AA6E4}">
+                <adec:decorative xmlns:adec="http://schemas.microsoft.com/office/drawing/2017/decorative" val="1"/>
+              </a:ext>
+            </a:extLst>
+          </p:cNvPr>
+          <p:cNvSpPr txBox="1">
+            <a:spLocks noGrp="1" noRot="1" noChangeAspect="1" noMove="1" noResize="1" noEditPoints="1" noAdjustHandles="1" noChangeArrowheads="1" noChangeShapeType="1" noTextEdit="1"/>
+          </p:cNvSpPr>
+          <p:nvPr>
+            <p:extLst>
+              <p:ext uri="{386F3935-93C4-4BCD-93E2-E3B085C9AB24}">
+                <p16:designElem xmlns:p16="http://schemas.microsoft.com/office/powerpoint/2015/main" val="1"/>
+              </p:ext>
+            </p:extLst>
+          </p:nvPr>
+        </p:nvSpPr>
+        <p:spPr>
+          <a:xfrm>
+            <a:off x="1451580" y="3122496"/>
+            <a:ext cx="3530157" cy="1049235"/>
+          </a:xfrm>
+          <a:prstGeom prst="rect">
+            <a:avLst/>
+          </a:prstGeom>
+        </p:spPr>
+        <p:txBody>
+          <a:bodyPr vert="horz" lIns="91440" tIns="45720" rIns="91440" bIns="45720" rtlCol="0" anchor="t">
+            <a:normAutofit/>
+          </a:bodyPr>
+          <a:lstStyle>
+            <a:lvl1pPr algn="l" defTabSz="914400" rtl="0" eaLnBrk="1" latinLnBrk="0" hangingPunct="1">
+              <a:lnSpc>
+                <a:spcPct val="90000"/>
+              </a:lnSpc>
+              <a:spcBef>
+                <a:spcPct val="0"/>
+              </a:spcBef>
+              <a:buNone/>
+              <a:defRPr sz="3200" b="0" i="0" kern="1200" cap="all">
+                <a:solidFill>
+                  <a:schemeClr val="tx1"/>
+                </a:solidFill>
+                <a:effectLst/>
+                <a:latin typeface="+mj-lt"/>
+                <a:ea typeface="+mj-ea"/>
+                <a:cs typeface="+mj-cs"/>
+              </a:defRPr>
+            </a:lvl1pPr>
+          </a:lstStyle>
+          <a:p>
+            <a:endParaRPr lang="en-US" dirty="0"/>
           </a:p>
         </p:txBody>
       </p:sp>
@@ -13022,16 +13505,19 @@
           </p:nvPr>
         </p:nvPicPr>
         <p:blipFill>
-          <a:blip r:embed="rId3"/>
+          <a:blip r:embed="rId4"/>
           <a:stretch>
             <a:fillRect/>
           </a:stretch>
         </p:blipFill>
         <p:spPr>
           <a:xfrm>
-            <a:off x="1621166" y="2011363"/>
-            <a:ext cx="4474834" cy="4474834"/>
+            <a:off x="716692" y="160838"/>
+            <a:ext cx="6489597" cy="6489597"/>
           </a:xfrm>
+          <a:prstGeom prst="rect">
+            <a:avLst/>
+          </a:prstGeom>
         </p:spPr>
       </p:pic>
       <p:sp>
@@ -13050,25 +13536,47 @@
             <p:ph sz="half" idx="2"/>
           </p:nvPr>
         </p:nvSpPr>
-        <p:spPr/>
+        <p:spPr>
+          <a:xfrm>
+            <a:off x="7554138" y="2273608"/>
+            <a:ext cx="3159432" cy="3940925"/>
+          </a:xfrm>
+        </p:spPr>
         <p:txBody>
-          <a:bodyPr/>
+          <a:bodyPr vert="horz" lIns="91440" tIns="45720" rIns="91440" bIns="45720" rtlCol="0" anchor="t">
+            <a:normAutofit/>
+          </a:bodyPr>
           <a:lstStyle/>
           <a:p>
-            <a:r>
-              <a:rPr lang="en-US" dirty="0"/>
+            <a:pPr>
+              <a:lnSpc>
+                <a:spcPct val="110000"/>
+              </a:lnSpc>
+            </a:pPr>
+            <a:r>
+              <a:rPr lang="en-US" sz="1900"/>
               <a:t>Looking at all move genres, a right-skewed distribution was found.</a:t>
             </a:r>
           </a:p>
           <a:p>
-            <a:r>
-              <a:rPr lang="en-US" dirty="0"/>
+            <a:pPr>
+              <a:lnSpc>
+                <a:spcPct val="110000"/>
+              </a:lnSpc>
+            </a:pPr>
+            <a:r>
+              <a:rPr lang="en-US" sz="1900"/>
               <a:t>Movies with runtimes of 90-120 minutes appear to be the most successful. </a:t>
             </a:r>
           </a:p>
           <a:p>
-            <a:r>
-              <a:rPr lang="en-US" dirty="0"/>
+            <a:pPr>
+              <a:lnSpc>
+                <a:spcPct val="110000"/>
+              </a:lnSpc>
+            </a:pPr>
+            <a:r>
+              <a:rPr lang="en-US" sz="1900"/>
               <a:t>Animation came in first place for profit and return on investment, so analysis will now look strictly at that genre.</a:t>
             </a:r>
           </a:p>
@@ -13090,6 +13598,30 @@
 <file path=ppt/slides/slide8.xml><?xml version="1.0" encoding="utf-8"?>
 <p:sld xmlns:a="http://schemas.openxmlformats.org/drawingml/2006/main" xmlns:r="http://schemas.openxmlformats.org/officeDocument/2006/relationships" xmlns:p="http://schemas.openxmlformats.org/presentationml/2006/main">
   <p:cSld>
+    <p:bg>
+      <p:bgPr>
+        <a:gradFill rotWithShape="1">
+          <a:gsLst>
+            <a:gs pos="0">
+              <a:schemeClr val="bg2">
+                <a:tint val="94000"/>
+                <a:satMod val="80000"/>
+                <a:lumMod val="106000"/>
+              </a:schemeClr>
+            </a:gs>
+            <a:gs pos="100000">
+              <a:schemeClr val="bg2">
+                <a:shade val="80000"/>
+              </a:schemeClr>
+            </a:gs>
+          </a:gsLst>
+          <a:path path="circle">
+            <a:fillToRect l="43000" r="43000" b="100000"/>
+          </a:path>
+        </a:gradFill>
+        <a:effectLst/>
+      </p:bgPr>
+    </p:bg>
     <p:spTree>
       <p:nvGrpSpPr>
         <p:cNvPr id="1" name=""/>
@@ -13106,6 +13638,352 @@
       </p:grpSpPr>
       <p:sp>
         <p:nvSpPr>
+          <p:cNvPr id="11" name="Rectangle 10">
+            <a:extLst>
+              <a:ext uri="{FF2B5EF4-FFF2-40B4-BE49-F238E27FC236}">
+                <a16:creationId xmlns:a16="http://schemas.microsoft.com/office/drawing/2014/main" id="{0CABCAE3-64FC-4149-819F-2C1812824154}"/>
+              </a:ext>
+              <a:ext uri="{C183D7F6-B498-43B3-948B-1728B52AA6E4}">
+                <adec:decorative xmlns:adec="http://schemas.microsoft.com/office/drawing/2017/decorative" val="1"/>
+              </a:ext>
+            </a:extLst>
+          </p:cNvPr>
+          <p:cNvSpPr>
+            <a:spLocks noGrp="1" noRot="1" noChangeAspect="1" noMove="1" noResize="1" noEditPoints="1" noAdjustHandles="1" noChangeArrowheads="1" noChangeShapeType="1" noTextEdit="1"/>
+          </p:cNvSpPr>
+          <p:nvPr>
+            <p:extLst>
+              <p:ext uri="{386F3935-93C4-4BCD-93E2-E3B085C9AB24}">
+                <p16:designElem xmlns:p16="http://schemas.microsoft.com/office/powerpoint/2015/main" val="1"/>
+              </p:ext>
+            </p:extLst>
+          </p:nvPr>
+        </p:nvSpPr>
+        <p:spPr>
+          <a:xfrm>
+            <a:off x="0" y="2019476"/>
+            <a:ext cx="12192000" cy="4105941"/>
+          </a:xfrm>
+          <a:prstGeom prst="rect">
+            <a:avLst/>
+          </a:prstGeom>
+          <a:gradFill flip="none" rotWithShape="1">
+            <a:gsLst>
+              <a:gs pos="0">
+                <a:schemeClr val="bg2">
+                  <a:alpha val="0"/>
+                </a:schemeClr>
+              </a:gs>
+              <a:gs pos="100000">
+                <a:schemeClr val="bg2"/>
+              </a:gs>
+            </a:gsLst>
+            <a:lin ang="5400000" scaled="0"/>
+            <a:tileRect/>
+          </a:gradFill>
+          <a:ln>
+            <a:noFill/>
+          </a:ln>
+        </p:spPr>
+        <p:style>
+          <a:lnRef idx="2">
+            <a:schemeClr val="accent1">
+              <a:shade val="50000"/>
+            </a:schemeClr>
+          </a:lnRef>
+          <a:fillRef idx="1">
+            <a:schemeClr val="accent1"/>
+          </a:fillRef>
+          <a:effectRef idx="0">
+            <a:schemeClr val="accent1"/>
+          </a:effectRef>
+          <a:fontRef idx="minor">
+            <a:schemeClr val="lt1"/>
+          </a:fontRef>
+        </p:style>
+      </p:sp>
+      <p:pic>
+        <p:nvPicPr>
+          <p:cNvPr id="13" name="Picture 12">
+            <a:extLst>
+              <a:ext uri="{FF2B5EF4-FFF2-40B4-BE49-F238E27FC236}">
+                <a16:creationId xmlns:a16="http://schemas.microsoft.com/office/drawing/2014/main" id="{012FDCFE-9AD2-4D8A-8CBF-B3AA37EBF6DD}"/>
+              </a:ext>
+              <a:ext uri="{C183D7F6-B498-43B3-948B-1728B52AA6E4}">
+                <adec:decorative xmlns:adec="http://schemas.microsoft.com/office/drawing/2017/decorative" val="1"/>
+              </a:ext>
+            </a:extLst>
+          </p:cNvPr>
+          <p:cNvPicPr>
+            <a:picLocks noGrp="1" noRot="1" noChangeAspect="1" noMove="1" noResize="1" noEditPoints="1" noAdjustHandles="1" noChangeArrowheads="1" noChangeShapeType="1" noCrop="1"/>
+          </p:cNvPicPr>
+          <p:nvPr>
+            <p:extLst>
+              <p:ext uri="{386F3935-93C4-4BCD-93E2-E3B085C9AB24}">
+                <p16:designElem xmlns:p16="http://schemas.microsoft.com/office/powerpoint/2015/main" val="1"/>
+              </p:ext>
+            </p:extLst>
+          </p:nvPr>
+        </p:nvPicPr>
+        <p:blipFill rotWithShape="1">
+          <a:blip r:embed="rId3">
+            <a:extLst>
+              <a:ext uri="{28A0092B-C50C-407E-A947-70E740481C1C}">
+                <a14:useLocalDpi xmlns:a14="http://schemas.microsoft.com/office/drawing/2010/main" val="0"/>
+              </a:ext>
+            </a:extLst>
+          </a:blip>
+          <a:srcRect t="1538" b="-1538"/>
+          <a:stretch/>
+        </p:blipFill>
+        <p:spPr bwMode="black">
+          <a:xfrm>
+            <a:off x="0" y="6126480"/>
+            <a:ext cx="12192000" cy="742950"/>
+          </a:xfrm>
+          <a:prstGeom prst="rect">
+            <a:avLst/>
+          </a:prstGeom>
+        </p:spPr>
+      </p:pic>
+      <p:cxnSp>
+        <p:nvCxnSpPr>
+          <p:cNvPr id="15" name="Straight Connector 14">
+            <a:extLst>
+              <a:ext uri="{FF2B5EF4-FFF2-40B4-BE49-F238E27FC236}">
+                <a16:creationId xmlns:a16="http://schemas.microsoft.com/office/drawing/2014/main" id="{FBD463FC-4CA8-4FF4-85A3-AF9F4B98D210}"/>
+              </a:ext>
+              <a:ext uri="{C183D7F6-B498-43B3-948B-1728B52AA6E4}">
+                <adec:decorative xmlns:adec="http://schemas.microsoft.com/office/drawing/2017/decorative" val="1"/>
+              </a:ext>
+            </a:extLst>
+          </p:cNvPr>
+          <p:cNvCxnSpPr>
+            <a:cxnSpLocks noGrp="1" noRot="1" noChangeAspect="1" noMove="1" noResize="1" noEditPoints="1" noAdjustHandles="1" noChangeArrowheads="1" noChangeShapeType="1"/>
+          </p:cNvCxnSpPr>
+          <p:nvPr>
+            <p:extLst>
+              <p:ext uri="{386F3935-93C4-4BCD-93E2-E3B085C9AB24}">
+                <p16:designElem xmlns:p16="http://schemas.microsoft.com/office/powerpoint/2015/main" val="1"/>
+              </p:ext>
+            </p:extLst>
+          </p:nvPr>
+        </p:nvCxnSpPr>
+        <p:spPr>
+          <a:xfrm>
+            <a:off x="0" y="6128413"/>
+            <a:ext cx="12192000" cy="0"/>
+          </a:xfrm>
+          <a:prstGeom prst="line">
+            <a:avLst/>
+          </a:prstGeom>
+          <a:ln w="12700">
+            <a:solidFill>
+              <a:srgbClr val="000001">
+                <a:alpha val="20000"/>
+              </a:srgbClr>
+            </a:solidFill>
+          </a:ln>
+        </p:spPr>
+        <p:style>
+          <a:lnRef idx="1">
+            <a:schemeClr val="accent1"/>
+          </a:lnRef>
+          <a:fillRef idx="0">
+            <a:schemeClr val="accent1"/>
+          </a:fillRef>
+          <a:effectRef idx="0">
+            <a:schemeClr val="accent1"/>
+          </a:effectRef>
+          <a:fontRef idx="minor">
+            <a:schemeClr val="tx1"/>
+          </a:fontRef>
+        </p:style>
+      </p:cxnSp>
+      <p:cxnSp>
+        <p:nvCxnSpPr>
+          <p:cNvPr id="17" name="Straight Connector 16">
+            <a:extLst>
+              <a:ext uri="{FF2B5EF4-FFF2-40B4-BE49-F238E27FC236}">
+                <a16:creationId xmlns:a16="http://schemas.microsoft.com/office/drawing/2014/main" id="{A56012FD-74A8-4C91-B318-435CF2B71927}"/>
+              </a:ext>
+              <a:ext uri="{C183D7F6-B498-43B3-948B-1728B52AA6E4}">
+                <adec:decorative xmlns:adec="http://schemas.microsoft.com/office/drawing/2017/decorative" val="1"/>
+              </a:ext>
+            </a:extLst>
+          </p:cNvPr>
+          <p:cNvCxnSpPr>
+            <a:cxnSpLocks noGrp="1" noRot="1" noChangeAspect="1" noMove="1" noResize="1" noEditPoints="1" noAdjustHandles="1" noChangeArrowheads="1" noChangeShapeType="1"/>
+          </p:cNvCxnSpPr>
+          <p:nvPr>
+            <p:extLst>
+              <p:ext uri="{386F3935-93C4-4BCD-93E2-E3B085C9AB24}">
+                <p16:designElem xmlns:p16="http://schemas.microsoft.com/office/powerpoint/2015/main" val="1"/>
+              </p:ext>
+            </p:extLst>
+          </p:nvPr>
+        </p:nvCxnSpPr>
+        <p:spPr>
+          <a:xfrm>
+            <a:off x="1453896" y="1847088"/>
+            <a:ext cx="9607522" cy="0"/>
+          </a:xfrm>
+          <a:prstGeom prst="line">
+            <a:avLst/>
+          </a:prstGeom>
+          <a:ln w="31750"/>
+        </p:spPr>
+        <p:style>
+          <a:lnRef idx="3">
+            <a:schemeClr val="accent1"/>
+          </a:lnRef>
+          <a:fillRef idx="0">
+            <a:schemeClr val="accent1"/>
+          </a:fillRef>
+          <a:effectRef idx="2">
+            <a:schemeClr val="accent1"/>
+          </a:effectRef>
+          <a:fontRef idx="minor">
+            <a:schemeClr val="tx1"/>
+          </a:fontRef>
+        </p:style>
+      </p:cxnSp>
+      <p:sp useBgFill="1">
+        <p:nvSpPr>
+          <p:cNvPr id="19" name="Rectangle 18">
+            <a:extLst>
+              <a:ext uri="{FF2B5EF4-FFF2-40B4-BE49-F238E27FC236}">
+                <a16:creationId xmlns:a16="http://schemas.microsoft.com/office/drawing/2014/main" id="{C630F413-44CE-4746-9821-9E0107978E7A}"/>
+              </a:ext>
+              <a:ext uri="{C183D7F6-B498-43B3-948B-1728B52AA6E4}">
+                <adec:decorative xmlns:adec="http://schemas.microsoft.com/office/drawing/2017/decorative" val="1"/>
+              </a:ext>
+            </a:extLst>
+          </p:cNvPr>
+          <p:cNvSpPr>
+            <a:spLocks noGrp="1" noRot="1" noChangeAspect="1" noMove="1" noResize="1" noEditPoints="1" noAdjustHandles="1" noChangeArrowheads="1" noChangeShapeType="1" noTextEdit="1"/>
+          </p:cNvSpPr>
+          <p:nvPr>
+            <p:extLst>
+              <p:ext uri="{386F3935-93C4-4BCD-93E2-E3B085C9AB24}">
+                <p16:designElem xmlns:p16="http://schemas.microsoft.com/office/powerpoint/2015/main" val="1"/>
+              </p:ext>
+            </p:extLst>
+          </p:nvPr>
+        </p:nvSpPr>
+        <p:spPr>
+          <a:xfrm>
+            <a:off x="2" y="0"/>
+            <a:ext cx="12191695" cy="6858000"/>
+          </a:xfrm>
+          <a:prstGeom prst="rect">
+            <a:avLst/>
+          </a:prstGeom>
+          <a:ln>
+            <a:noFill/>
+          </a:ln>
+        </p:spPr>
+        <p:style>
+          <a:lnRef idx="2">
+            <a:schemeClr val="accent1">
+              <a:shade val="50000"/>
+            </a:schemeClr>
+          </a:lnRef>
+          <a:fillRef idx="1">
+            <a:schemeClr val="accent1"/>
+          </a:fillRef>
+          <a:effectRef idx="0">
+            <a:schemeClr val="accent1"/>
+          </a:effectRef>
+          <a:fontRef idx="minor">
+            <a:schemeClr val="lt1"/>
+          </a:fontRef>
+        </p:style>
+        <p:txBody>
+          <a:bodyPr rtlCol="0" anchor="ctr"/>
+          <a:lstStyle/>
+          <a:p>
+            <a:pPr algn="ctr"/>
+            <a:endParaRPr lang="en-US"/>
+          </a:p>
+        </p:txBody>
+      </p:sp>
+      <p:sp>
+        <p:nvSpPr>
+          <p:cNvPr id="21" name="Rectangle 20">
+            <a:extLst>
+              <a:ext uri="{FF2B5EF4-FFF2-40B4-BE49-F238E27FC236}">
+                <a16:creationId xmlns:a16="http://schemas.microsoft.com/office/drawing/2014/main" id="{22D671B1-B099-4F9C-B9CC-9D22B4DAF8A8}"/>
+              </a:ext>
+              <a:ext uri="{C183D7F6-B498-43B3-948B-1728B52AA6E4}">
+                <adec:decorative xmlns:adec="http://schemas.microsoft.com/office/drawing/2017/decorative" val="1"/>
+              </a:ext>
+            </a:extLst>
+          </p:cNvPr>
+          <p:cNvSpPr>
+            <a:spLocks noGrp="1" noRot="1" noChangeAspect="1" noMove="1" noResize="1" noEditPoints="1" noAdjustHandles="1" noChangeArrowheads="1" noChangeShapeType="1" noTextEdit="1"/>
+          </p:cNvSpPr>
+          <p:nvPr>
+            <p:extLst>
+              <p:ext uri="{386F3935-93C4-4BCD-93E2-E3B085C9AB24}">
+                <p16:designElem xmlns:p16="http://schemas.microsoft.com/office/powerpoint/2015/main" val="1"/>
+              </p:ext>
+            </p:extLst>
+          </p:nvPr>
+        </p:nvSpPr>
+        <p:spPr>
+          <a:xfrm>
+            <a:off x="0" y="2019476"/>
+            <a:ext cx="12192000" cy="4838524"/>
+          </a:xfrm>
+          <a:prstGeom prst="rect">
+            <a:avLst/>
+          </a:prstGeom>
+          <a:gradFill flip="none" rotWithShape="1">
+            <a:gsLst>
+              <a:gs pos="0">
+                <a:schemeClr val="bg2">
+                  <a:alpha val="0"/>
+                </a:schemeClr>
+              </a:gs>
+              <a:gs pos="100000">
+                <a:schemeClr val="bg2"/>
+              </a:gs>
+            </a:gsLst>
+            <a:lin ang="5400000" scaled="0"/>
+            <a:tileRect/>
+          </a:gradFill>
+          <a:ln>
+            <a:noFill/>
+          </a:ln>
+        </p:spPr>
+        <p:style>
+          <a:lnRef idx="2">
+            <a:schemeClr val="accent1">
+              <a:shade val="50000"/>
+            </a:schemeClr>
+          </a:lnRef>
+          <a:fillRef idx="1">
+            <a:schemeClr val="accent1"/>
+          </a:fillRef>
+          <a:effectRef idx="0">
+            <a:schemeClr val="accent1"/>
+          </a:effectRef>
+          <a:fontRef idx="minor">
+            <a:schemeClr val="lt1"/>
+          </a:fontRef>
+        </p:style>
+        <p:txBody>
+          <a:bodyPr rtlCol="0" anchor="ctr"/>
+          <a:lstStyle/>
+          <a:p>
+            <a:pPr lvl="0" algn="ctr"/>
+            <a:endParaRPr lang="en-US"/>
+          </a:p>
+        </p:txBody>
+      </p:sp>
+      <p:sp>
+        <p:nvSpPr>
           <p:cNvPr id="2" name="Title 1">
             <a:extLst>
               <a:ext uri="{FF2B5EF4-FFF2-40B4-BE49-F238E27FC236}">
@@ -13120,29 +13998,144 @@
             <p:ph type="title"/>
           </p:nvPr>
         </p:nvSpPr>
-        <p:spPr/>
+        <p:spPr>
+          <a:xfrm>
+            <a:off x="7555992" y="707475"/>
+            <a:ext cx="3157577" cy="1312001"/>
+          </a:xfrm>
+        </p:spPr>
         <p:txBody>
-          <a:bodyPr/>
+          <a:bodyPr vert="horz" lIns="91440" tIns="45720" rIns="91440" bIns="45720" rtlCol="0" anchor="t">
+            <a:normAutofit/>
+          </a:bodyPr>
           <a:lstStyle/>
           <a:p>
-            <a:pPr algn="ctr"/>
-            <a:r>
-              <a:rPr lang="en-US" dirty="0"/>
+            <a:r>
+              <a:rPr lang="en-US" sz="2600"/>
               <a:t>Business Problem 3: Runtime</a:t>
             </a:r>
             <a:br>
-              <a:rPr lang="en-US" dirty="0"/>
+              <a:rPr lang="en-US" sz="2600"/>
             </a:br>
             <a:r>
-              <a:rPr lang="en-US" dirty="0"/>
+              <a:rPr lang="en-US" sz="2600"/>
               <a:t>Continued</a:t>
             </a:r>
+          </a:p>
+        </p:txBody>
+      </p:sp>
+      <p:cxnSp>
+        <p:nvCxnSpPr>
+          <p:cNvPr id="23" name="Straight Connector 22">
+            <a:extLst>
+              <a:ext uri="{FF2B5EF4-FFF2-40B4-BE49-F238E27FC236}">
+                <a16:creationId xmlns:a16="http://schemas.microsoft.com/office/drawing/2014/main" id="{7552FBEF-FA69-427B-8245-0A518E0513D5}"/>
+              </a:ext>
+              <a:ext uri="{C183D7F6-B498-43B3-948B-1728B52AA6E4}">
+                <adec:decorative xmlns:adec="http://schemas.microsoft.com/office/drawing/2017/decorative" val="1"/>
+              </a:ext>
+            </a:extLst>
+          </p:cNvPr>
+          <p:cNvCxnSpPr>
+            <a:cxnSpLocks noGrp="1" noRot="1" noChangeAspect="1" noMove="1" noResize="1" noEditPoints="1" noAdjustHandles="1" noChangeArrowheads="1" noChangeShapeType="1"/>
+          </p:cNvCxnSpPr>
+          <p:nvPr>
+            <p:extLst>
+              <p:ext uri="{386F3935-93C4-4BCD-93E2-E3B085C9AB24}">
+                <p16:designElem xmlns:p16="http://schemas.microsoft.com/office/powerpoint/2015/main" val="1"/>
+              </p:ext>
+            </p:extLst>
+          </p:nvPr>
+        </p:nvCxnSpPr>
+        <p:spPr>
+          <a:xfrm>
+            <a:off x="7555992" y="2146542"/>
+            <a:ext cx="3157578" cy="0"/>
+          </a:xfrm>
+          <a:prstGeom prst="line">
+            <a:avLst/>
+          </a:prstGeom>
+          <a:ln w="31750"/>
+        </p:spPr>
+        <p:style>
+          <a:lnRef idx="3">
+            <a:schemeClr val="accent1"/>
+          </a:lnRef>
+          <a:fillRef idx="0">
+            <a:schemeClr val="accent1"/>
+          </a:fillRef>
+          <a:effectRef idx="2">
+            <a:schemeClr val="accent1"/>
+          </a:effectRef>
+          <a:fontRef idx="minor">
+            <a:schemeClr val="tx1"/>
+          </a:fontRef>
+        </p:style>
+      </p:cxnSp>
+      <p:sp>
+        <p:nvSpPr>
+          <p:cNvPr id="25" name="Title 1">
+            <a:extLst>
+              <a:ext uri="{FF2B5EF4-FFF2-40B4-BE49-F238E27FC236}">
+                <a16:creationId xmlns:a16="http://schemas.microsoft.com/office/drawing/2014/main" id="{898488B7-DBD3-40E7-B54B-4DA6C5693EF3}"/>
+              </a:ext>
+              <a:ext uri="{C183D7F6-B498-43B3-948B-1728B52AA6E4}">
+                <adec:decorative xmlns:adec="http://schemas.microsoft.com/office/drawing/2017/decorative" val="1"/>
+              </a:ext>
+            </a:extLst>
+          </p:cNvPr>
+          <p:cNvSpPr txBox="1">
+            <a:spLocks noGrp="1" noRot="1" noChangeAspect="1" noMove="1" noResize="1" noEditPoints="1" noAdjustHandles="1" noChangeArrowheads="1" noChangeShapeType="1" noTextEdit="1"/>
+          </p:cNvSpPr>
+          <p:nvPr>
+            <p:extLst>
+              <p:ext uri="{386F3935-93C4-4BCD-93E2-E3B085C9AB24}">
+                <p16:designElem xmlns:p16="http://schemas.microsoft.com/office/powerpoint/2015/main" val="1"/>
+              </p:ext>
+            </p:extLst>
+          </p:nvPr>
+        </p:nvSpPr>
+        <p:spPr>
+          <a:xfrm>
+            <a:off x="1451580" y="3122496"/>
+            <a:ext cx="3530157" cy="1049235"/>
+          </a:xfrm>
+          <a:prstGeom prst="rect">
+            <a:avLst/>
+          </a:prstGeom>
+        </p:spPr>
+        <p:txBody>
+          <a:bodyPr vert="horz" lIns="91440" tIns="45720" rIns="91440" bIns="45720" rtlCol="0" anchor="t">
+            <a:normAutofit/>
+          </a:bodyPr>
+          <a:lstStyle>
+            <a:lvl1pPr algn="l" defTabSz="914400" rtl="0" eaLnBrk="1" latinLnBrk="0" hangingPunct="1">
+              <a:lnSpc>
+                <a:spcPct val="90000"/>
+              </a:lnSpc>
+              <a:spcBef>
+                <a:spcPct val="0"/>
+              </a:spcBef>
+              <a:buNone/>
+              <a:defRPr sz="3200" b="0" i="0" kern="1200" cap="all">
+                <a:solidFill>
+                  <a:schemeClr val="tx1"/>
+                </a:solidFill>
+                <a:effectLst/>
+                <a:latin typeface="+mj-lt"/>
+                <a:ea typeface="+mj-ea"/>
+                <a:cs typeface="+mj-cs"/>
+              </a:defRPr>
+            </a:lvl1pPr>
+          </a:lstStyle>
+          <a:p>
+            <a:endParaRPr lang="en-US" dirty="0"/>
           </a:p>
         </p:txBody>
       </p:sp>
       <p:pic>
         <p:nvPicPr>
-          <p:cNvPr id="6" name="Content Placeholder 5">
+          <p:cNvPr id="6" name="Content Placeholder 5" descr="Chart, histogram&#10;&#10;Description automatically generated">
             <a:extLst>
               <a:ext uri="{FF2B5EF4-FFF2-40B4-BE49-F238E27FC236}">
                 <a16:creationId xmlns:a16="http://schemas.microsoft.com/office/drawing/2014/main" id="{0951CCCB-4AD7-8E48-AA7B-88A9CB08EF00}"/>
@@ -13157,15 +14150,17 @@
           </p:nvPr>
         </p:nvPicPr>
         <p:blipFill>
-          <a:blip r:embed="rId3"/>
-          <a:srcRect/>
+          <a:blip r:embed="rId4"/>
           <a:stretch/>
         </p:blipFill>
         <p:spPr>
           <a:xfrm>
-            <a:off x="1621166" y="2011363"/>
-            <a:ext cx="4474834" cy="4474834"/>
+            <a:off x="753568" y="197714"/>
+            <a:ext cx="6452721" cy="6452721"/>
           </a:xfrm>
+          <a:prstGeom prst="rect">
+            <a:avLst/>
+          </a:prstGeom>
         </p:spPr>
       </p:pic>
       <p:sp>
@@ -13186,12 +14181,14 @@
         </p:nvSpPr>
         <p:spPr>
           <a:xfrm>
-            <a:off x="6409700" y="2528020"/>
-            <a:ext cx="4645152" cy="3441520"/>
+            <a:off x="7554138" y="2273608"/>
+            <a:ext cx="3159432" cy="3940925"/>
           </a:xfrm>
         </p:spPr>
         <p:txBody>
-          <a:bodyPr/>
+          <a:bodyPr vert="horz" lIns="91440" tIns="45720" rIns="91440" bIns="45720" rtlCol="0" anchor="t">
+            <a:normAutofit/>
+          </a:bodyPr>
           <a:lstStyle/>
           <a:p>
             <a:r>
@@ -13281,7 +14278,7 @@
             <p:ph idx="1"/>
             <p:extLst>
               <p:ext uri="{D42A27DB-BD31-4B8C-83A1-F6EECF244321}">
-                <p14:modId xmlns:p14="http://schemas.microsoft.com/office/powerpoint/2010/main" val="698235417"/>
+                <p14:modId xmlns:p14="http://schemas.microsoft.com/office/powerpoint/2010/main" val="3496793003"/>
               </p:ext>
             </p:extLst>
           </p:nvPr>
